--- a/doc/Q5_PowerPoint.pptx
+++ b/doc/Q5_PowerPoint.pptx
@@ -7,10 +7,12 @@
   <p:sldIdLst>
     <p:sldId id="256" r:id="rId2"/>
     <p:sldId id="257" r:id="rId3"/>
-    <p:sldId id="258" r:id="rId4"/>
-    <p:sldId id="259" r:id="rId5"/>
-    <p:sldId id="260" r:id="rId6"/>
-    <p:sldId id="261" r:id="rId7"/>
+    <p:sldId id="262" r:id="rId4"/>
+    <p:sldId id="264" r:id="rId5"/>
+    <p:sldId id="258" r:id="rId6"/>
+    <p:sldId id="263" r:id="rId7"/>
+    <p:sldId id="260" r:id="rId8"/>
+    <p:sldId id="261" r:id="rId9"/>
   </p:sldIdLst>
   <p:sldSz cx="12192000" cy="6858000"/>
   <p:notesSz cx="6858000" cy="9144000"/>
@@ -109,6 +111,11 @@
       </a:defRPr>
     </a:lvl9pPr>
   </p:defaultTextStyle>
+  <p:extLst>
+    <p:ext uri="{EFAFB233-063F-42B5-8137-9DF3F51BA10A}">
+      <p15:sldGuideLst xmlns:p15="http://schemas.microsoft.com/office/powerpoint/2012/main"/>
+    </p:ext>
+  </p:extLst>
 </p:presentation>
 </file>
 
@@ -3484,12 +3491,126 @@
             <p:ph idx="1"/>
           </p:nvPr>
         </p:nvSpPr>
-        <p:spPr/>
-        <p:txBody>
-          <a:bodyPr/>
+        <p:spPr>
+          <a:xfrm>
+            <a:off x="838200" y="1825625"/>
+            <a:ext cx="5257800" cy="4351338"/>
+          </a:xfrm>
+        </p:spPr>
+        <p:txBody>
+          <a:bodyPr>
+            <a:normAutofit/>
+          </a:bodyPr>
           <a:lstStyle/>
           <a:p>
-            <a:endParaRPr lang="en-AU"/>
+            <a:r>
+              <a:rPr lang="en-AU" dirty="0"/>
+              <a:t>An algorithm was developed to solve the </a:t>
+            </a:r>
+            <a:r>
+              <a:rPr lang="en-AU" b="1" dirty="0"/>
+              <a:t>Minimum Vertex Cover </a:t>
+            </a:r>
+            <a:r>
+              <a:rPr lang="en-AU" dirty="0"/>
+              <a:t>problem.</a:t>
+            </a:r>
+          </a:p>
+          <a:p>
+            <a:r>
+              <a:rPr lang="en-AU" dirty="0"/>
+              <a:t>It aims to select a set of nodes that have edges to every node in the graph.</a:t>
+            </a:r>
+          </a:p>
+          <a:p>
+            <a:r>
+              <a:rPr lang="en-AU" dirty="0"/>
+              <a:t>It is an NP-hard problem.</a:t>
+            </a:r>
+          </a:p>
+        </p:txBody>
+      </p:sp>
+      <p:pic>
+        <p:nvPicPr>
+          <p:cNvPr id="7" name="Picture 6">
+            <a:extLst>
+              <a:ext uri="{FF2B5EF4-FFF2-40B4-BE49-F238E27FC236}">
+                <a16:creationId xmlns:a16="http://schemas.microsoft.com/office/drawing/2014/main" id="{701BACAD-9D0C-47BB-8FB3-A701C4929A9A}"/>
+              </a:ext>
+            </a:extLst>
+          </p:cNvPr>
+          <p:cNvPicPr>
+            <a:picLocks noChangeAspect="1"/>
+          </p:cNvPicPr>
+          <p:nvPr/>
+        </p:nvPicPr>
+        <p:blipFill>
+          <a:blip r:embed="rId2">
+            <a:extLst>
+              <a:ext uri="{28A0092B-C50C-407E-A947-70E740481C1C}">
+                <a14:useLocalDpi xmlns:a14="http://schemas.microsoft.com/office/drawing/2010/main" val="0"/>
+              </a:ext>
+            </a:extLst>
+          </a:blip>
+          <a:stretch>
+            <a:fillRect/>
+          </a:stretch>
+        </p:blipFill>
+        <p:spPr>
+          <a:xfrm>
+            <a:off x="7178042" y="606479"/>
+            <a:ext cx="3566158" cy="5108521"/>
+          </a:xfrm>
+          <a:prstGeom prst="rect">
+            <a:avLst/>
+          </a:prstGeom>
+        </p:spPr>
+      </p:pic>
+      <p:sp>
+        <p:nvSpPr>
+          <p:cNvPr id="8" name="TextBox 7">
+            <a:extLst>
+              <a:ext uri="{FF2B5EF4-FFF2-40B4-BE49-F238E27FC236}">
+                <a16:creationId xmlns:a16="http://schemas.microsoft.com/office/drawing/2014/main" id="{ACEB7819-975C-4A94-BEA9-E3BBC6A45E92}"/>
+              </a:ext>
+            </a:extLst>
+          </p:cNvPr>
+          <p:cNvSpPr txBox="1"/>
+          <p:nvPr/>
+        </p:nvSpPr>
+        <p:spPr>
+          <a:xfrm>
+            <a:off x="5828145" y="5939521"/>
+            <a:ext cx="6363855" cy="646331"/>
+          </a:xfrm>
+          <a:prstGeom prst="rect">
+            <a:avLst/>
+          </a:prstGeom>
+          <a:noFill/>
+        </p:spPr>
+        <p:txBody>
+          <a:bodyPr wrap="square" rtlCol="0">
+            <a:spAutoFit/>
+          </a:bodyPr>
+          <a:lstStyle/>
+          <a:p>
+            <a:r>
+              <a:rPr lang="en-GB" dirty="0">
+                <a:solidFill>
+                  <a:schemeClr val="bg1">
+                    <a:lumMod val="50000"/>
+                  </a:schemeClr>
+                </a:solidFill>
+              </a:rPr>
+              <a:t>Image credit: By Fschwarzentruber - Own work, CC BY-SA 4.0, https://commons.wikimedia.org/w/index.php?curid=48175909</a:t>
+            </a:r>
+            <a:endParaRPr lang="en-AU" dirty="0">
+              <a:solidFill>
+                <a:schemeClr val="bg1">
+                  <a:lumMod val="50000"/>
+                </a:schemeClr>
+              </a:solidFill>
+            </a:endParaRPr>
           </a:p>
         </p:txBody>
       </p:sp>
@@ -3528,7 +3649,7 @@
           <p:cNvPr id="2" name="Title 1">
             <a:extLst>
               <a:ext uri="{FF2B5EF4-FFF2-40B4-BE49-F238E27FC236}">
-                <a16:creationId xmlns:a16="http://schemas.microsoft.com/office/drawing/2014/main" id="{5E7036AD-B183-4B78-B1B4-C2A6B214A4F1}"/>
+                <a16:creationId xmlns:a16="http://schemas.microsoft.com/office/drawing/2014/main" id="{26CF366A-403B-4169-B2F4-508DBAF5C399}"/>
               </a:ext>
             </a:extLst>
           </p:cNvPr>
@@ -3546,7 +3667,7 @@
           <a:p>
             <a:r>
               <a:rPr lang="en-AU" dirty="0"/>
-              <a:t>Implementation</a:t>
+              <a:t>About the Problem</a:t>
             </a:r>
           </a:p>
         </p:txBody>
@@ -3556,7 +3677,7 @@
           <p:cNvPr id="3" name="Content Placeholder 2">
             <a:extLst>
               <a:ext uri="{FF2B5EF4-FFF2-40B4-BE49-F238E27FC236}">
-                <a16:creationId xmlns:a16="http://schemas.microsoft.com/office/drawing/2014/main" id="{40628B5C-64A4-4AFF-A01B-692BCBD608D3}"/>
+                <a16:creationId xmlns:a16="http://schemas.microsoft.com/office/drawing/2014/main" id="{1A4D5A66-72BA-4173-9DDC-E19F84414EFA}"/>
               </a:ext>
             </a:extLst>
           </p:cNvPr>
@@ -3567,22 +3688,127 @@
             <p:ph idx="1"/>
           </p:nvPr>
         </p:nvSpPr>
-        <p:spPr/>
-        <p:txBody>
-          <a:bodyPr/>
+        <p:spPr>
+          <a:xfrm>
+            <a:off x="838200" y="1825625"/>
+            <a:ext cx="4251960" cy="4351338"/>
+          </a:xfrm>
+        </p:spPr>
+        <p:txBody>
+          <a:bodyPr>
+            <a:normAutofit/>
+          </a:bodyPr>
           <a:lstStyle/>
           <a:p>
             <a:r>
               <a:rPr lang="en-AU" dirty="0"/>
-              <a:t>NOTE: NO CODE at all in the presentation.</a:t>
-            </a:r>
-          </a:p>
-        </p:txBody>
-      </p:sp>
+              <a:t>The graphs we’re looking at are </a:t>
+            </a:r>
+            <a:r>
+              <a:rPr lang="en-AU" b="1" dirty="0"/>
+              <a:t>Complement graphs</a:t>
+            </a:r>
+            <a:r>
+              <a:rPr lang="en-AU" dirty="0"/>
+              <a:t>.</a:t>
+            </a:r>
+          </a:p>
+          <a:p>
+            <a:r>
+              <a:rPr lang="en-AU" dirty="0"/>
+              <a:t>These are graphs whereby all edges disconnect from the nodes they’re adjacent to, and connect to all nodes they were previously not adjacent to.</a:t>
+            </a:r>
+          </a:p>
+        </p:txBody>
+      </p:sp>
+      <p:sp>
+        <p:nvSpPr>
+          <p:cNvPr id="8" name="TextBox 7">
+            <a:extLst>
+              <a:ext uri="{FF2B5EF4-FFF2-40B4-BE49-F238E27FC236}">
+                <a16:creationId xmlns:a16="http://schemas.microsoft.com/office/drawing/2014/main" id="{ACEB7819-975C-4A94-BEA9-E3BBC6A45E92}"/>
+              </a:ext>
+            </a:extLst>
+          </p:cNvPr>
+          <p:cNvSpPr txBox="1"/>
+          <p:nvPr/>
+        </p:nvSpPr>
+        <p:spPr>
+          <a:xfrm>
+            <a:off x="4953001" y="5789856"/>
+            <a:ext cx="7360920" cy="923330"/>
+          </a:xfrm>
+          <a:prstGeom prst="rect">
+            <a:avLst/>
+          </a:prstGeom>
+          <a:noFill/>
+        </p:spPr>
+        <p:txBody>
+          <a:bodyPr wrap="square" rtlCol="0">
+            <a:spAutoFit/>
+          </a:bodyPr>
+          <a:lstStyle/>
+          <a:p>
+            <a:r>
+              <a:rPr lang="en-GB" dirty="0">
+                <a:solidFill>
+                  <a:schemeClr val="bg1">
+                    <a:lumMod val="50000"/>
+                  </a:schemeClr>
+                </a:solidFill>
+              </a:rPr>
+              <a:t>Image credit: Complement_graph_sample.gif: Claudio Rocchiniderivative work: David Eppstein, CC BY 2.5 &lt;https://creativecommons.org/licenses/by/2.5&gt;, via Wikimedia Commons</a:t>
+            </a:r>
+            <a:endParaRPr lang="en-AU" dirty="0">
+              <a:solidFill>
+                <a:schemeClr val="bg1">
+                  <a:lumMod val="50000"/>
+                </a:schemeClr>
+              </a:solidFill>
+            </a:endParaRPr>
+          </a:p>
+        </p:txBody>
+      </p:sp>
+      <p:pic>
+        <p:nvPicPr>
+          <p:cNvPr id="5" name="Picture 4">
+            <a:extLst>
+              <a:ext uri="{FF2B5EF4-FFF2-40B4-BE49-F238E27FC236}">
+                <a16:creationId xmlns:a16="http://schemas.microsoft.com/office/drawing/2014/main" id="{DAFCBC62-9098-481D-A8D3-81DBDEB0465D}"/>
+              </a:ext>
+            </a:extLst>
+          </p:cNvPr>
+          <p:cNvPicPr>
+            <a:picLocks noChangeAspect="1"/>
+          </p:cNvPicPr>
+          <p:nvPr/>
+        </p:nvPicPr>
+        <p:blipFill>
+          <a:blip r:embed="rId2">
+            <a:extLst>
+              <a:ext uri="{28A0092B-C50C-407E-A947-70E740481C1C}">
+                <a14:useLocalDpi xmlns:a14="http://schemas.microsoft.com/office/drawing/2010/main" val="0"/>
+              </a:ext>
+            </a:extLst>
+          </a:blip>
+          <a:stretch>
+            <a:fillRect/>
+          </a:stretch>
+        </p:blipFill>
+        <p:spPr>
+          <a:xfrm>
+            <a:off x="5300542" y="1566330"/>
+            <a:ext cx="6563425" cy="3209925"/>
+          </a:xfrm>
+          <a:prstGeom prst="rect">
+            <a:avLst/>
+          </a:prstGeom>
+        </p:spPr>
+      </p:pic>
     </p:spTree>
     <p:extLst>
       <p:ext uri="{BB962C8B-B14F-4D97-AF65-F5344CB8AC3E}">
-        <p14:creationId xmlns:p14="http://schemas.microsoft.com/office/powerpoint/2010/main" val="2186635021"/>
+        <p14:creationId xmlns:p14="http://schemas.microsoft.com/office/powerpoint/2010/main" val="1273358464"/>
       </p:ext>
     </p:extLst>
   </p:cSld>
@@ -3614,7 +3840,7 @@
           <p:cNvPr id="2" name="Title 1">
             <a:extLst>
               <a:ext uri="{FF2B5EF4-FFF2-40B4-BE49-F238E27FC236}">
-                <a16:creationId xmlns:a16="http://schemas.microsoft.com/office/drawing/2014/main" id="{CBFB9495-699F-4ABC-9D80-43DF9E3D1B78}"/>
+                <a16:creationId xmlns:a16="http://schemas.microsoft.com/office/drawing/2014/main" id="{26CF366A-403B-4169-B2F4-508DBAF5C399}"/>
               </a:ext>
             </a:extLst>
           </p:cNvPr>
@@ -3632,7 +3858,7 @@
           <a:p>
             <a:r>
               <a:rPr lang="en-AU" dirty="0"/>
-              <a:t>Testing</a:t>
+              <a:t>Known Algorithms</a:t>
             </a:r>
           </a:p>
         </p:txBody>
@@ -3642,7 +3868,7 @@
           <p:cNvPr id="3" name="Content Placeholder 2">
             <a:extLst>
               <a:ext uri="{FF2B5EF4-FFF2-40B4-BE49-F238E27FC236}">
-                <a16:creationId xmlns:a16="http://schemas.microsoft.com/office/drawing/2014/main" id="{00FC58F4-B6DE-461E-B700-1987393FC8EF}"/>
+                <a16:creationId xmlns:a16="http://schemas.microsoft.com/office/drawing/2014/main" id="{1A4D5A66-72BA-4173-9DDC-E19F84414EFA}"/>
               </a:ext>
             </a:extLst>
           </p:cNvPr>
@@ -3653,19 +3879,108 @@
             <p:ph idx="1"/>
           </p:nvPr>
         </p:nvSpPr>
-        <p:spPr/>
-        <p:txBody>
-          <a:bodyPr/>
+        <p:spPr>
+          <a:xfrm>
+            <a:off x="838200" y="1825625"/>
+            <a:ext cx="10515600" cy="4351338"/>
+          </a:xfrm>
+        </p:spPr>
+        <p:txBody>
+          <a:bodyPr>
+            <a:normAutofit/>
+          </a:bodyPr>
           <a:lstStyle/>
           <a:p>
-            <a:endParaRPr lang="en-AU"/>
+            <a:pPr marL="0" indent="0">
+              <a:buNone/>
+            </a:pPr>
+            <a:r>
+              <a:rPr lang="en-AU" dirty="0"/>
+              <a:t>The following algorithms have been developed for finding the minimum vertex cover of a graph:</a:t>
+            </a:r>
+          </a:p>
+          <a:p>
+            <a:r>
+              <a:rPr lang="en-AU" dirty="0">
+                <a:effectLst/>
+                <a:latin typeface="Calibri" panose="020F0502020204030204" pitchFamily="34" charset="0"/>
+                <a:ea typeface="Yu Mincho" panose="02020400000000000000" pitchFamily="18" charset="-128"/>
+                <a:cs typeface="Arial" panose="020B0604020202020204" pitchFamily="34" charset="0"/>
+              </a:rPr>
+              <a:t>One solution was developed using </a:t>
+            </a:r>
+            <a:r>
+              <a:rPr lang="en-AU" b="1" dirty="0">
+                <a:effectLst/>
+                <a:latin typeface="Calibri" panose="020F0502020204030204" pitchFamily="34" charset="0"/>
+                <a:ea typeface="Yu Mincho" panose="02020400000000000000" pitchFamily="18" charset="-128"/>
+                <a:cs typeface="Arial" panose="020B0604020202020204" pitchFamily="34" charset="0"/>
+              </a:rPr>
+              <a:t>Dijkstra’s algorithm</a:t>
+            </a:r>
+            <a:r>
+              <a:rPr lang="en-AU" dirty="0">
+                <a:effectLst/>
+                <a:latin typeface="Calibri" panose="020F0502020204030204" pitchFamily="34" charset="0"/>
+                <a:ea typeface="Yu Mincho" panose="02020400000000000000" pitchFamily="18" charset="-128"/>
+                <a:cs typeface="Arial" panose="020B0604020202020204" pitchFamily="34" charset="0"/>
+              </a:rPr>
+              <a:t>, getting a vertex cover with a time complexity of O(n</a:t>
+            </a:r>
+            <a:r>
+              <a:rPr lang="en-AU" baseline="30000" dirty="0">
+                <a:effectLst/>
+                <a:latin typeface="Calibri" panose="020F0502020204030204" pitchFamily="34" charset="0"/>
+                <a:ea typeface="Yu Mincho" panose="02020400000000000000" pitchFamily="18" charset="-128"/>
+                <a:cs typeface="Arial" panose="020B0604020202020204" pitchFamily="34" charset="0"/>
+              </a:rPr>
+              <a:t>3</a:t>
+            </a:r>
+            <a:r>
+              <a:rPr lang="en-AU" dirty="0">
+                <a:effectLst/>
+                <a:latin typeface="Calibri" panose="020F0502020204030204" pitchFamily="34" charset="0"/>
+                <a:ea typeface="Yu Mincho" panose="02020400000000000000" pitchFamily="18" charset="-128"/>
+                <a:cs typeface="Arial" panose="020B0604020202020204" pitchFamily="34" charset="0"/>
+              </a:rPr>
+              <a:t>) where n is the number of nodes in the graph [1].</a:t>
+            </a:r>
+          </a:p>
+          <a:p>
+            <a:r>
+              <a:rPr lang="en-AU" dirty="0">
+                <a:effectLst/>
+                <a:latin typeface="Calibri" panose="020F0502020204030204" pitchFamily="34" charset="0"/>
+                <a:ea typeface="Yu Mincho" panose="02020400000000000000" pitchFamily="18" charset="-128"/>
+                <a:cs typeface="Arial" panose="020B0604020202020204" pitchFamily="34" charset="0"/>
+              </a:rPr>
+              <a:t>Another current solution is to use an </a:t>
+            </a:r>
+            <a:r>
+              <a:rPr lang="en-AU" b="1" dirty="0">
+                <a:effectLst/>
+                <a:latin typeface="Calibri" panose="020F0502020204030204" pitchFamily="34" charset="0"/>
+                <a:ea typeface="Yu Mincho" panose="02020400000000000000" pitchFamily="18" charset="-128"/>
+                <a:cs typeface="Arial" panose="020B0604020202020204" pitchFamily="34" charset="0"/>
+              </a:rPr>
+              <a:t>approximate algorithm</a:t>
+            </a:r>
+            <a:r>
+              <a:rPr lang="en-AU" dirty="0">
+                <a:effectLst/>
+                <a:latin typeface="Calibri" panose="020F0502020204030204" pitchFamily="34" charset="0"/>
+                <a:ea typeface="Yu Mincho" panose="02020400000000000000" pitchFamily="18" charset="-128"/>
+                <a:cs typeface="Arial" panose="020B0604020202020204" pitchFamily="34" charset="0"/>
+              </a:rPr>
+              <a:t> instead of an exact algorithm. In this approach, we continue picking the nodes covering the greatest number of edges until all nodes have been covered.</a:t>
+            </a:r>
           </a:p>
         </p:txBody>
       </p:sp>
     </p:spTree>
     <p:extLst>
       <p:ext uri="{BB962C8B-B14F-4D97-AF65-F5344CB8AC3E}">
-        <p14:creationId xmlns:p14="http://schemas.microsoft.com/office/powerpoint/2010/main" val="3847269267"/>
+        <p14:creationId xmlns:p14="http://schemas.microsoft.com/office/powerpoint/2010/main" val="2410996848"/>
       </p:ext>
     </p:extLst>
   </p:cSld>
@@ -3697,7 +4012,7 @@
           <p:cNvPr id="2" name="Title 1">
             <a:extLst>
               <a:ext uri="{FF2B5EF4-FFF2-40B4-BE49-F238E27FC236}">
-                <a16:creationId xmlns:a16="http://schemas.microsoft.com/office/drawing/2014/main" id="{17080632-324F-434A-8F30-964AA22DD181}"/>
+                <a16:creationId xmlns:a16="http://schemas.microsoft.com/office/drawing/2014/main" id="{5E7036AD-B183-4B78-B1B4-C2A6B214A4F1}"/>
               </a:ext>
             </a:extLst>
           </p:cNvPr>
@@ -3715,7 +4030,7 @@
           <a:p>
             <a:r>
               <a:rPr lang="en-AU" dirty="0"/>
-              <a:t>Results</a:t>
+              <a:t>Implementation</a:t>
             </a:r>
           </a:p>
         </p:txBody>
@@ -3725,7 +4040,7 @@
           <p:cNvPr id="3" name="Content Placeholder 2">
             <a:extLst>
               <a:ext uri="{FF2B5EF4-FFF2-40B4-BE49-F238E27FC236}">
-                <a16:creationId xmlns:a16="http://schemas.microsoft.com/office/drawing/2014/main" id="{B9FB27D6-2BA9-42EA-8D0F-4C4896E7638E}"/>
+                <a16:creationId xmlns:a16="http://schemas.microsoft.com/office/drawing/2014/main" id="{40628B5C-64A4-4AFF-A01B-692BCBD608D3}"/>
               </a:ext>
             </a:extLst>
           </p:cNvPr>
@@ -3741,14 +4056,38 @@
           <a:bodyPr/>
           <a:lstStyle/>
           <a:p>
-            <a:endParaRPr lang="en-AU"/>
+            <a:pPr marL="0" indent="0">
+              <a:buNone/>
+            </a:pPr>
+            <a:r>
+              <a:rPr lang="en-AU" b="1" dirty="0"/>
+              <a:t>Description</a:t>
+            </a:r>
+          </a:p>
+          <a:p>
+            <a:r>
+              <a:rPr lang="en-AU" dirty="0"/>
+              <a:t>Greedy search that selects vertices that result in the largest number of nodes being covered.</a:t>
+            </a:r>
+          </a:p>
+          <a:p>
+            <a:r>
+              <a:rPr lang="en-AU" dirty="0"/>
+              <a:t>Does so by maintaining a priority queue (nodes with largest number of connected uncovered nodes are at its head).</a:t>
+            </a:r>
+          </a:p>
+          <a:p>
+            <a:r>
+              <a:rPr lang="en-AU" dirty="0"/>
+              <a:t>We explore the priority queue, popping off the head, and adding the children to the priority queue until we’ve covered all nodes.</a:t>
+            </a:r>
           </a:p>
         </p:txBody>
       </p:sp>
     </p:spTree>
     <p:extLst>
       <p:ext uri="{BB962C8B-B14F-4D97-AF65-F5344CB8AC3E}">
-        <p14:creationId xmlns:p14="http://schemas.microsoft.com/office/powerpoint/2010/main" val="2925843969"/>
+        <p14:creationId xmlns:p14="http://schemas.microsoft.com/office/powerpoint/2010/main" val="2186635021"/>
       </p:ext>
     </p:extLst>
   </p:cSld>
@@ -3780,7 +4119,7 @@
           <p:cNvPr id="2" name="Title 1">
             <a:extLst>
               <a:ext uri="{FF2B5EF4-FFF2-40B4-BE49-F238E27FC236}">
-                <a16:creationId xmlns:a16="http://schemas.microsoft.com/office/drawing/2014/main" id="{0E2498B1-1893-4C2C-B460-B6D215208419}"/>
+                <a16:creationId xmlns:a16="http://schemas.microsoft.com/office/drawing/2014/main" id="{5E7036AD-B183-4B78-B1B4-C2A6B214A4F1}"/>
               </a:ext>
             </a:extLst>
           </p:cNvPr>
@@ -3798,7 +4137,7 @@
           <a:p>
             <a:r>
               <a:rPr lang="en-AU" dirty="0"/>
-              <a:t>Performance Analysis</a:t>
+              <a:t>Implementation</a:t>
             </a:r>
           </a:p>
         </p:txBody>
@@ -3808,7 +4147,7 @@
           <p:cNvPr id="3" name="Content Placeholder 2">
             <a:extLst>
               <a:ext uri="{FF2B5EF4-FFF2-40B4-BE49-F238E27FC236}">
-                <a16:creationId xmlns:a16="http://schemas.microsoft.com/office/drawing/2014/main" id="{6917D3F5-BE74-43A2-B9E2-00A5D7C87114}"/>
+                <a16:creationId xmlns:a16="http://schemas.microsoft.com/office/drawing/2014/main" id="{40628B5C-64A4-4AFF-A01B-692BCBD608D3}"/>
               </a:ext>
             </a:extLst>
           </p:cNvPr>
@@ -3824,10 +4163,2258 @@
           <a:bodyPr/>
           <a:lstStyle/>
           <a:p>
-            <a:endParaRPr lang="en-AU" dirty="0"/>
-          </a:p>
-        </p:txBody>
-      </p:sp>
+            <a:pPr marL="0" indent="0">
+              <a:buNone/>
+            </a:pPr>
+            <a:r>
+              <a:rPr lang="en-AU" b="1" dirty="0"/>
+              <a:t>Data Structure</a:t>
+            </a:r>
+          </a:p>
+          <a:p>
+            <a:r>
+              <a:rPr lang="en-AU" dirty="0"/>
+              <a:t>The algorithm relies on a list of nodes for its operations. The node data structure is as follows:</a:t>
+            </a:r>
+          </a:p>
+          <a:p>
+            <a:pPr lvl="1"/>
+            <a:r>
+              <a:rPr lang="en-AU" u="sng" dirty="0"/>
+              <a:t>ID:</a:t>
+            </a:r>
+            <a:r>
+              <a:rPr lang="en-AU" dirty="0"/>
+              <a:t> The Node’s ID</a:t>
+            </a:r>
+          </a:p>
+          <a:p>
+            <a:pPr lvl="1"/>
+            <a:r>
+              <a:rPr lang="en-AU" u="sng" dirty="0"/>
+              <a:t>Connections:</a:t>
+            </a:r>
+            <a:r>
+              <a:rPr lang="en-AU" dirty="0"/>
+              <a:t> A list of nodes that are connected to the node by an edge.</a:t>
+            </a:r>
+          </a:p>
+          <a:p>
+            <a:pPr lvl="1"/>
+            <a:r>
+              <a:rPr lang="en-AU" u="sng" dirty="0"/>
+              <a:t>Unseen Connections:</a:t>
+            </a:r>
+            <a:r>
+              <a:rPr lang="en-AU" dirty="0"/>
+              <a:t>  The number of nodes connected to the node that have not yet been seen.</a:t>
+            </a:r>
+          </a:p>
+          <a:p>
+            <a:pPr lvl="1"/>
+            <a:r>
+              <a:rPr lang="en-AU" u="sng" dirty="0"/>
+              <a:t>Visited:</a:t>
+            </a:r>
+            <a:r>
+              <a:rPr lang="en-AU" dirty="0"/>
+              <a:t>  If a node has been visited (i.e., selected as a cover vertex).</a:t>
+            </a:r>
+          </a:p>
+          <a:p>
+            <a:pPr lvl="1"/>
+            <a:r>
+              <a:rPr lang="en-AU" u="sng" dirty="0"/>
+              <a:t>Seen:</a:t>
+            </a:r>
+            <a:r>
+              <a:rPr lang="en-AU" dirty="0"/>
+              <a:t> If a node has been seen (i.e., we know is connected to a cover vertex).</a:t>
+            </a:r>
+          </a:p>
+        </p:txBody>
+      </p:sp>
+    </p:spTree>
+    <p:extLst>
+      <p:ext uri="{BB962C8B-B14F-4D97-AF65-F5344CB8AC3E}">
+        <p14:creationId xmlns:p14="http://schemas.microsoft.com/office/powerpoint/2010/main" val="1162287117"/>
+      </p:ext>
+    </p:extLst>
+  </p:cSld>
+  <p:clrMapOvr>
+    <a:masterClrMapping/>
+  </p:clrMapOvr>
+</p:sld>
+</file>
+
+<file path=ppt/slides/slide7.xml><?xml version="1.0" encoding="utf-8"?>
+<p:sld xmlns:a="http://schemas.openxmlformats.org/drawingml/2006/main" xmlns:r="http://schemas.openxmlformats.org/officeDocument/2006/relationships" xmlns:p="http://schemas.openxmlformats.org/presentationml/2006/main">
+  <p:cSld>
+    <p:spTree>
+      <p:nvGrpSpPr>
+        <p:cNvPr id="1" name=""/>
+        <p:cNvGrpSpPr/>
+        <p:nvPr/>
+      </p:nvGrpSpPr>
+      <p:grpSpPr>
+        <a:xfrm>
+          <a:off x="0" y="0"/>
+          <a:ext cx="0" cy="0"/>
+          <a:chOff x="0" y="0"/>
+          <a:chExt cx="0" cy="0"/>
+        </a:xfrm>
+      </p:grpSpPr>
+      <p:sp>
+        <p:nvSpPr>
+          <p:cNvPr id="2" name="Title 1">
+            <a:extLst>
+              <a:ext uri="{FF2B5EF4-FFF2-40B4-BE49-F238E27FC236}">
+                <a16:creationId xmlns:a16="http://schemas.microsoft.com/office/drawing/2014/main" id="{17080632-324F-434A-8F30-964AA22DD181}"/>
+              </a:ext>
+            </a:extLst>
+          </p:cNvPr>
+          <p:cNvSpPr>
+            <a:spLocks noGrp="1"/>
+          </p:cNvSpPr>
+          <p:nvPr>
+            <p:ph type="title"/>
+          </p:nvPr>
+        </p:nvSpPr>
+        <p:spPr/>
+        <p:txBody>
+          <a:bodyPr/>
+          <a:lstStyle/>
+          <a:p>
+            <a:r>
+              <a:rPr lang="en-AU" dirty="0"/>
+              <a:t>Results</a:t>
+            </a:r>
+          </a:p>
+        </p:txBody>
+      </p:sp>
+      <p:sp>
+        <p:nvSpPr>
+          <p:cNvPr id="3" name="Content Placeholder 2">
+            <a:extLst>
+              <a:ext uri="{FF2B5EF4-FFF2-40B4-BE49-F238E27FC236}">
+                <a16:creationId xmlns:a16="http://schemas.microsoft.com/office/drawing/2014/main" id="{B9FB27D6-2BA9-42EA-8D0F-4C4896E7638E}"/>
+              </a:ext>
+            </a:extLst>
+          </p:cNvPr>
+          <p:cNvSpPr>
+            <a:spLocks noGrp="1"/>
+          </p:cNvSpPr>
+          <p:nvPr>
+            <p:ph idx="1"/>
+          </p:nvPr>
+        </p:nvSpPr>
+        <p:spPr>
+          <a:xfrm>
+            <a:off x="838200" y="1825625"/>
+            <a:ext cx="4157312" cy="4351338"/>
+          </a:xfrm>
+        </p:spPr>
+        <p:txBody>
+          <a:bodyPr/>
+          <a:lstStyle/>
+          <a:p>
+            <a:r>
+              <a:rPr lang="en-AU" dirty="0"/>
+              <a:t>Unfortunately, the algorithm was really slow and wouldn’t finish executing in a reasonable amount of time. As a result, I was unable to get any results to analyse and compare to the known results.</a:t>
+            </a:r>
+          </a:p>
+        </p:txBody>
+      </p:sp>
+      <p:graphicFrame>
+        <p:nvGraphicFramePr>
+          <p:cNvPr id="5" name="Table 4">
+            <a:extLst>
+              <a:ext uri="{FF2B5EF4-FFF2-40B4-BE49-F238E27FC236}">
+                <a16:creationId xmlns:a16="http://schemas.microsoft.com/office/drawing/2014/main" id="{AC4F0438-FFB0-4722-A031-EFC8D94958BA}"/>
+              </a:ext>
+            </a:extLst>
+          </p:cNvPr>
+          <p:cNvGraphicFramePr>
+            <a:graphicFrameLocks noGrp="1"/>
+          </p:cNvGraphicFramePr>
+          <p:nvPr>
+            <p:extLst>
+              <p:ext uri="{D42A27DB-BD31-4B8C-83A1-F6EECF244321}">
+                <p14:modId xmlns:p14="http://schemas.microsoft.com/office/powerpoint/2010/main" val="82353164"/>
+              </p:ext>
+            </p:extLst>
+          </p:nvPr>
+        </p:nvGraphicFramePr>
+        <p:xfrm>
+          <a:off x="5544922" y="1209139"/>
+          <a:ext cx="5881425" cy="4439722"/>
+        </p:xfrm>
+        <a:graphic>
+          <a:graphicData uri="http://schemas.openxmlformats.org/drawingml/2006/table">
+            <a:tbl>
+              <a:tblPr firstRow="1" firstCol="1" bandRow="1">
+                <a:tableStyleId>{C083E6E3-FA7D-4D7B-A595-EF9225AFEA82}</a:tableStyleId>
+              </a:tblPr>
+              <a:tblGrid>
+                <a:gridCol w="1960475">
+                  <a:extLst>
+                    <a:ext uri="{9D8B030D-6E8A-4147-A177-3AD203B41FA5}">
+                      <a16:colId xmlns:a16="http://schemas.microsoft.com/office/drawing/2014/main" val="2058402531"/>
+                    </a:ext>
+                  </a:extLst>
+                </a:gridCol>
+                <a:gridCol w="1960475">
+                  <a:extLst>
+                    <a:ext uri="{9D8B030D-6E8A-4147-A177-3AD203B41FA5}">
+                      <a16:colId xmlns:a16="http://schemas.microsoft.com/office/drawing/2014/main" val="2722816236"/>
+                    </a:ext>
+                  </a:extLst>
+                </a:gridCol>
+                <a:gridCol w="1960475">
+                  <a:extLst>
+                    <a:ext uri="{9D8B030D-6E8A-4147-A177-3AD203B41FA5}">
+                      <a16:colId xmlns:a16="http://schemas.microsoft.com/office/drawing/2014/main" val="3337550072"/>
+                    </a:ext>
+                  </a:extLst>
+                </a:gridCol>
+              </a:tblGrid>
+              <a:tr h="467999">
+                <a:tc rowSpan="2">
+                  <a:txBody>
+                    <a:bodyPr/>
+                    <a:lstStyle/>
+                    <a:p>
+                      <a:pPr>
+                        <a:lnSpc>
+                          <a:spcPct val="107000"/>
+                        </a:lnSpc>
+                        <a:spcAft>
+                          <a:spcPts val="800"/>
+                        </a:spcAft>
+                      </a:pPr>
+                      <a:r>
+                        <a:rPr lang="en-AU" sz="1800" dirty="0">
+                          <a:effectLst/>
+                        </a:rPr>
+                        <a:t>Graph</a:t>
+                      </a:r>
+                      <a:endParaRPr lang="en-AU" sz="1800" dirty="0">
+                        <a:effectLst/>
+                        <a:latin typeface="Calibri" panose="020F0502020204030204" pitchFamily="34" charset="0"/>
+                        <a:ea typeface="Yu Mincho" panose="02020400000000000000" pitchFamily="18" charset="-128"/>
+                        <a:cs typeface="Arial" panose="020B0604020202020204" pitchFamily="34" charset="0"/>
+                      </a:endParaRPr>
+                    </a:p>
+                  </a:txBody>
+                  <a:tcPr marL="68580" marR="68580" marT="0" marB="0"/>
+                </a:tc>
+                <a:tc gridSpan="2">
+                  <a:txBody>
+                    <a:bodyPr/>
+                    <a:lstStyle/>
+                    <a:p>
+                      <a:pPr>
+                        <a:lnSpc>
+                          <a:spcPct val="107000"/>
+                        </a:lnSpc>
+                        <a:spcAft>
+                          <a:spcPts val="800"/>
+                        </a:spcAft>
+                      </a:pPr>
+                      <a:r>
+                        <a:rPr lang="en-AU" sz="1800" dirty="0">
+                          <a:effectLst/>
+                        </a:rPr>
+                        <a:t>Minimum Vertex Cover</a:t>
+                      </a:r>
+                      <a:endParaRPr lang="en-AU" sz="1800" dirty="0">
+                        <a:effectLst/>
+                        <a:latin typeface="Calibri" panose="020F0502020204030204" pitchFamily="34" charset="0"/>
+                        <a:ea typeface="Yu Mincho" panose="02020400000000000000" pitchFamily="18" charset="-128"/>
+                        <a:cs typeface="Arial" panose="020B0604020202020204" pitchFamily="34" charset="0"/>
+                      </a:endParaRPr>
+                    </a:p>
+                  </a:txBody>
+                  <a:tcPr marL="68580" marR="68580" marT="0" marB="0"/>
+                </a:tc>
+                <a:tc hMerge="1">
+                  <a:txBody>
+                    <a:bodyPr/>
+                    <a:lstStyle/>
+                    <a:p>
+                      <a:endParaRPr lang="en-AU"/>
+                    </a:p>
+                  </a:txBody>
+                  <a:tcPr/>
+                </a:tc>
+                <a:extLst>
+                  <a:ext uri="{0D108BD9-81ED-4DB2-BD59-A6C34878D82A}">
+                    <a16:rowId xmlns:a16="http://schemas.microsoft.com/office/drawing/2014/main" val="630922339"/>
+                  </a:ext>
+                </a:extLst>
+              </a:tr>
+              <a:tr h="414643">
+                <a:tc vMerge="1">
+                  <a:txBody>
+                    <a:bodyPr/>
+                    <a:lstStyle/>
+                    <a:p>
+                      <a:endParaRPr lang="en-AU"/>
+                    </a:p>
+                  </a:txBody>
+                  <a:tcPr/>
+                </a:tc>
+                <a:tc>
+                  <a:txBody>
+                    <a:bodyPr/>
+                    <a:lstStyle/>
+                    <a:p>
+                      <a:pPr>
+                        <a:lnSpc>
+                          <a:spcPct val="107000"/>
+                        </a:lnSpc>
+                        <a:spcAft>
+                          <a:spcPts val="800"/>
+                        </a:spcAft>
+                      </a:pPr>
+                      <a:r>
+                        <a:rPr lang="en-AU" sz="1800" b="1" dirty="0">
+                          <a:effectLst/>
+                        </a:rPr>
+                        <a:t>Known results</a:t>
+                      </a:r>
+                      <a:endParaRPr lang="en-AU" sz="1800" b="1" dirty="0">
+                        <a:effectLst/>
+                        <a:latin typeface="Calibri" panose="020F0502020204030204" pitchFamily="34" charset="0"/>
+                        <a:ea typeface="Yu Mincho" panose="02020400000000000000" pitchFamily="18" charset="-128"/>
+                        <a:cs typeface="Arial" panose="020B0604020202020204" pitchFamily="34" charset="0"/>
+                      </a:endParaRPr>
+                    </a:p>
+                  </a:txBody>
+                  <a:tcPr marL="68580" marR="68580" marT="0" marB="0">
+                    <a:solidFill>
+                      <a:schemeClr val="accent3">
+                        <a:lumMod val="60000"/>
+                        <a:lumOff val="40000"/>
+                        <a:alpha val="20000"/>
+                      </a:schemeClr>
+                    </a:solidFill>
+                  </a:tcPr>
+                </a:tc>
+                <a:tc>
+                  <a:txBody>
+                    <a:bodyPr/>
+                    <a:lstStyle/>
+                    <a:p>
+                      <a:pPr>
+                        <a:lnSpc>
+                          <a:spcPct val="107000"/>
+                        </a:lnSpc>
+                        <a:spcAft>
+                          <a:spcPts val="800"/>
+                        </a:spcAft>
+                      </a:pPr>
+                      <a:r>
+                        <a:rPr lang="en-AU" sz="1800" b="1" dirty="0">
+                          <a:effectLst/>
+                        </a:rPr>
+                        <a:t>Obtained results</a:t>
+                      </a:r>
+                      <a:endParaRPr lang="en-AU" sz="1800" b="1" dirty="0">
+                        <a:effectLst/>
+                        <a:latin typeface="Calibri" panose="020F0502020204030204" pitchFamily="34" charset="0"/>
+                        <a:ea typeface="Yu Mincho" panose="02020400000000000000" pitchFamily="18" charset="-128"/>
+                        <a:cs typeface="Arial" panose="020B0604020202020204" pitchFamily="34" charset="0"/>
+                      </a:endParaRPr>
+                    </a:p>
+                  </a:txBody>
+                  <a:tcPr marL="68580" marR="68580" marT="0" marB="0">
+                    <a:solidFill>
+                      <a:schemeClr val="accent3">
+                        <a:lumMod val="60000"/>
+                        <a:lumOff val="40000"/>
+                        <a:alpha val="20000"/>
+                      </a:schemeClr>
+                    </a:solidFill>
+                  </a:tcPr>
+                </a:tc>
+                <a:extLst>
+                  <a:ext uri="{0D108BD9-81ED-4DB2-BD59-A6C34878D82A}">
+                    <a16:rowId xmlns:a16="http://schemas.microsoft.com/office/drawing/2014/main" val="2652939974"/>
+                  </a:ext>
+                </a:extLst>
+              </a:tr>
+              <a:tr h="414643">
+                <a:tc>
+                  <a:txBody>
+                    <a:bodyPr/>
+                    <a:lstStyle/>
+                    <a:p>
+                      <a:pPr>
+                        <a:lnSpc>
+                          <a:spcPct val="107000"/>
+                        </a:lnSpc>
+                        <a:spcAft>
+                          <a:spcPts val="800"/>
+                        </a:spcAft>
+                      </a:pPr>
+                      <a:r>
+                        <a:rPr lang="en-AU" sz="1800" b="1" dirty="0">
+                          <a:effectLst/>
+                        </a:rPr>
+                        <a:t>Brock800_1</a:t>
+                      </a:r>
+                      <a:endParaRPr lang="en-AU" sz="1800" b="1" dirty="0">
+                        <a:effectLst/>
+                        <a:latin typeface="Calibri" panose="020F0502020204030204" pitchFamily="34" charset="0"/>
+                        <a:ea typeface="Yu Mincho" panose="02020400000000000000" pitchFamily="18" charset="-128"/>
+                        <a:cs typeface="Arial" panose="020B0604020202020204" pitchFamily="34" charset="0"/>
+                      </a:endParaRPr>
+                    </a:p>
+                  </a:txBody>
+                  <a:tcPr marL="68580" marR="68580" marT="0" marB="0"/>
+                </a:tc>
+                <a:tc>
+                  <a:txBody>
+                    <a:bodyPr/>
+                    <a:lstStyle/>
+                    <a:p>
+                      <a:pPr>
+                        <a:lnSpc>
+                          <a:spcPct val="107000"/>
+                        </a:lnSpc>
+                        <a:spcAft>
+                          <a:spcPts val="800"/>
+                        </a:spcAft>
+                      </a:pPr>
+                      <a:r>
+                        <a:rPr lang="en-AU" sz="1800">
+                          <a:effectLst/>
+                        </a:rPr>
+                        <a:t>777</a:t>
+                      </a:r>
+                      <a:endParaRPr lang="en-AU" sz="1800">
+                        <a:effectLst/>
+                        <a:latin typeface="Calibri" panose="020F0502020204030204" pitchFamily="34" charset="0"/>
+                        <a:ea typeface="Yu Mincho" panose="02020400000000000000" pitchFamily="18" charset="-128"/>
+                        <a:cs typeface="Arial" panose="020B0604020202020204" pitchFamily="34" charset="0"/>
+                      </a:endParaRPr>
+                    </a:p>
+                  </a:txBody>
+                  <a:tcPr marL="68580" marR="68580" marT="0" marB="0"/>
+                </a:tc>
+                <a:tc>
+                  <a:txBody>
+                    <a:bodyPr/>
+                    <a:lstStyle/>
+                    <a:p>
+                      <a:pPr>
+                        <a:lnSpc>
+                          <a:spcPct val="107000"/>
+                        </a:lnSpc>
+                        <a:spcAft>
+                          <a:spcPts val="800"/>
+                        </a:spcAft>
+                      </a:pPr>
+                      <a:r>
+                        <a:rPr lang="en-AU" sz="1800" dirty="0">
+                          <a:effectLst/>
+                        </a:rPr>
+                        <a:t>N/A</a:t>
+                      </a:r>
+                      <a:endParaRPr lang="en-AU" sz="1800" dirty="0">
+                        <a:effectLst/>
+                        <a:latin typeface="Calibri" panose="020F0502020204030204" pitchFamily="34" charset="0"/>
+                        <a:ea typeface="Yu Mincho" panose="02020400000000000000" pitchFamily="18" charset="-128"/>
+                        <a:cs typeface="Arial" panose="020B0604020202020204" pitchFamily="34" charset="0"/>
+                      </a:endParaRPr>
+                    </a:p>
+                  </a:txBody>
+                  <a:tcPr marL="68580" marR="68580" marT="0" marB="0"/>
+                </a:tc>
+                <a:extLst>
+                  <a:ext uri="{0D108BD9-81ED-4DB2-BD59-A6C34878D82A}">
+                    <a16:rowId xmlns:a16="http://schemas.microsoft.com/office/drawing/2014/main" val="3069987160"/>
+                  </a:ext>
+                </a:extLst>
+              </a:tr>
+              <a:tr h="414643">
+                <a:tc>
+                  <a:txBody>
+                    <a:bodyPr/>
+                    <a:lstStyle/>
+                    <a:p>
+                      <a:pPr>
+                        <a:lnSpc>
+                          <a:spcPct val="107000"/>
+                        </a:lnSpc>
+                        <a:spcAft>
+                          <a:spcPts val="800"/>
+                        </a:spcAft>
+                      </a:pPr>
+                      <a:r>
+                        <a:rPr lang="en-AU" sz="1800" b="1">
+                          <a:effectLst/>
+                        </a:rPr>
+                        <a:t>Brock800_2</a:t>
+                      </a:r>
+                      <a:endParaRPr lang="en-AU" sz="1800" b="1">
+                        <a:effectLst/>
+                        <a:latin typeface="Calibri" panose="020F0502020204030204" pitchFamily="34" charset="0"/>
+                        <a:ea typeface="Yu Mincho" panose="02020400000000000000" pitchFamily="18" charset="-128"/>
+                        <a:cs typeface="Arial" panose="020B0604020202020204" pitchFamily="34" charset="0"/>
+                      </a:endParaRPr>
+                    </a:p>
+                  </a:txBody>
+                  <a:tcPr marL="68580" marR="68580" marT="0" marB="0"/>
+                </a:tc>
+                <a:tc>
+                  <a:txBody>
+                    <a:bodyPr/>
+                    <a:lstStyle/>
+                    <a:p>
+                      <a:pPr>
+                        <a:lnSpc>
+                          <a:spcPct val="107000"/>
+                        </a:lnSpc>
+                        <a:spcAft>
+                          <a:spcPts val="800"/>
+                        </a:spcAft>
+                      </a:pPr>
+                      <a:r>
+                        <a:rPr lang="en-AU" sz="1800">
+                          <a:effectLst/>
+                        </a:rPr>
+                        <a:t>776</a:t>
+                      </a:r>
+                      <a:endParaRPr lang="en-AU" sz="1800">
+                        <a:effectLst/>
+                        <a:latin typeface="Calibri" panose="020F0502020204030204" pitchFamily="34" charset="0"/>
+                        <a:ea typeface="Yu Mincho" panose="02020400000000000000" pitchFamily="18" charset="-128"/>
+                        <a:cs typeface="Arial" panose="020B0604020202020204" pitchFamily="34" charset="0"/>
+                      </a:endParaRPr>
+                    </a:p>
+                  </a:txBody>
+                  <a:tcPr marL="68580" marR="68580" marT="0" marB="0"/>
+                </a:tc>
+                <a:tc>
+                  <a:txBody>
+                    <a:bodyPr/>
+                    <a:lstStyle/>
+                    <a:p>
+                      <a:pPr>
+                        <a:lnSpc>
+                          <a:spcPct val="107000"/>
+                        </a:lnSpc>
+                        <a:spcAft>
+                          <a:spcPts val="800"/>
+                        </a:spcAft>
+                      </a:pPr>
+                      <a:r>
+                        <a:rPr lang="en-AU" sz="1800">
+                          <a:effectLst/>
+                        </a:rPr>
+                        <a:t>N/A</a:t>
+                      </a:r>
+                      <a:endParaRPr lang="en-AU" sz="1800">
+                        <a:effectLst/>
+                        <a:latin typeface="Calibri" panose="020F0502020204030204" pitchFamily="34" charset="0"/>
+                        <a:ea typeface="Yu Mincho" panose="02020400000000000000" pitchFamily="18" charset="-128"/>
+                        <a:cs typeface="Arial" panose="020B0604020202020204" pitchFamily="34" charset="0"/>
+                      </a:endParaRPr>
+                    </a:p>
+                  </a:txBody>
+                  <a:tcPr marL="68580" marR="68580" marT="0" marB="0"/>
+                </a:tc>
+                <a:extLst>
+                  <a:ext uri="{0D108BD9-81ED-4DB2-BD59-A6C34878D82A}">
+                    <a16:rowId xmlns:a16="http://schemas.microsoft.com/office/drawing/2014/main" val="4127551921"/>
+                  </a:ext>
+                </a:extLst>
+              </a:tr>
+              <a:tr h="414643">
+                <a:tc>
+                  <a:txBody>
+                    <a:bodyPr/>
+                    <a:lstStyle/>
+                    <a:p>
+                      <a:pPr>
+                        <a:lnSpc>
+                          <a:spcPct val="107000"/>
+                        </a:lnSpc>
+                        <a:spcAft>
+                          <a:spcPts val="800"/>
+                        </a:spcAft>
+                      </a:pPr>
+                      <a:r>
+                        <a:rPr lang="en-AU" sz="1800" b="1">
+                          <a:effectLst/>
+                        </a:rPr>
+                        <a:t>Brock800_3</a:t>
+                      </a:r>
+                      <a:endParaRPr lang="en-AU" sz="1800" b="1">
+                        <a:effectLst/>
+                        <a:latin typeface="Calibri" panose="020F0502020204030204" pitchFamily="34" charset="0"/>
+                        <a:ea typeface="Yu Mincho" panose="02020400000000000000" pitchFamily="18" charset="-128"/>
+                        <a:cs typeface="Arial" panose="020B0604020202020204" pitchFamily="34" charset="0"/>
+                      </a:endParaRPr>
+                    </a:p>
+                  </a:txBody>
+                  <a:tcPr marL="68580" marR="68580" marT="0" marB="0"/>
+                </a:tc>
+                <a:tc>
+                  <a:txBody>
+                    <a:bodyPr/>
+                    <a:lstStyle/>
+                    <a:p>
+                      <a:pPr>
+                        <a:lnSpc>
+                          <a:spcPct val="107000"/>
+                        </a:lnSpc>
+                        <a:spcAft>
+                          <a:spcPts val="800"/>
+                        </a:spcAft>
+                      </a:pPr>
+                      <a:r>
+                        <a:rPr lang="en-AU" sz="1800">
+                          <a:effectLst/>
+                        </a:rPr>
+                        <a:t>775</a:t>
+                      </a:r>
+                      <a:endParaRPr lang="en-AU" sz="1800">
+                        <a:effectLst/>
+                        <a:latin typeface="Calibri" panose="020F0502020204030204" pitchFamily="34" charset="0"/>
+                        <a:ea typeface="Yu Mincho" panose="02020400000000000000" pitchFamily="18" charset="-128"/>
+                        <a:cs typeface="Arial" panose="020B0604020202020204" pitchFamily="34" charset="0"/>
+                      </a:endParaRPr>
+                    </a:p>
+                  </a:txBody>
+                  <a:tcPr marL="68580" marR="68580" marT="0" marB="0"/>
+                </a:tc>
+                <a:tc>
+                  <a:txBody>
+                    <a:bodyPr/>
+                    <a:lstStyle/>
+                    <a:p>
+                      <a:pPr>
+                        <a:lnSpc>
+                          <a:spcPct val="107000"/>
+                        </a:lnSpc>
+                        <a:spcAft>
+                          <a:spcPts val="800"/>
+                        </a:spcAft>
+                      </a:pPr>
+                      <a:r>
+                        <a:rPr lang="en-AU" sz="1800">
+                          <a:effectLst/>
+                        </a:rPr>
+                        <a:t>N/A</a:t>
+                      </a:r>
+                      <a:endParaRPr lang="en-AU" sz="1800">
+                        <a:effectLst/>
+                        <a:latin typeface="Calibri" panose="020F0502020204030204" pitchFamily="34" charset="0"/>
+                        <a:ea typeface="Yu Mincho" panose="02020400000000000000" pitchFamily="18" charset="-128"/>
+                        <a:cs typeface="Arial" panose="020B0604020202020204" pitchFamily="34" charset="0"/>
+                      </a:endParaRPr>
+                    </a:p>
+                  </a:txBody>
+                  <a:tcPr marL="68580" marR="68580" marT="0" marB="0"/>
+                </a:tc>
+                <a:extLst>
+                  <a:ext uri="{0D108BD9-81ED-4DB2-BD59-A6C34878D82A}">
+                    <a16:rowId xmlns:a16="http://schemas.microsoft.com/office/drawing/2014/main" val="3005022989"/>
+                  </a:ext>
+                </a:extLst>
+              </a:tr>
+              <a:tr h="414643">
+                <a:tc>
+                  <a:txBody>
+                    <a:bodyPr/>
+                    <a:lstStyle/>
+                    <a:p>
+                      <a:pPr>
+                        <a:lnSpc>
+                          <a:spcPct val="107000"/>
+                        </a:lnSpc>
+                        <a:spcAft>
+                          <a:spcPts val="800"/>
+                        </a:spcAft>
+                      </a:pPr>
+                      <a:r>
+                        <a:rPr lang="en-AU" sz="1800" b="1" dirty="0">
+                          <a:effectLst/>
+                        </a:rPr>
+                        <a:t>Brock800_4</a:t>
+                      </a:r>
+                      <a:endParaRPr lang="en-AU" sz="1800" b="1" dirty="0">
+                        <a:effectLst/>
+                        <a:latin typeface="Calibri" panose="020F0502020204030204" pitchFamily="34" charset="0"/>
+                        <a:ea typeface="Yu Mincho" panose="02020400000000000000" pitchFamily="18" charset="-128"/>
+                        <a:cs typeface="Arial" panose="020B0604020202020204" pitchFamily="34" charset="0"/>
+                      </a:endParaRPr>
+                    </a:p>
+                  </a:txBody>
+                  <a:tcPr marL="68580" marR="68580" marT="0" marB="0"/>
+                </a:tc>
+                <a:tc>
+                  <a:txBody>
+                    <a:bodyPr/>
+                    <a:lstStyle/>
+                    <a:p>
+                      <a:pPr>
+                        <a:lnSpc>
+                          <a:spcPct val="107000"/>
+                        </a:lnSpc>
+                        <a:spcAft>
+                          <a:spcPts val="800"/>
+                        </a:spcAft>
+                      </a:pPr>
+                      <a:r>
+                        <a:rPr lang="en-AU" sz="1800">
+                          <a:effectLst/>
+                        </a:rPr>
+                        <a:t>774</a:t>
+                      </a:r>
+                      <a:endParaRPr lang="en-AU" sz="1800">
+                        <a:effectLst/>
+                        <a:latin typeface="Calibri" panose="020F0502020204030204" pitchFamily="34" charset="0"/>
+                        <a:ea typeface="Yu Mincho" panose="02020400000000000000" pitchFamily="18" charset="-128"/>
+                        <a:cs typeface="Arial" panose="020B0604020202020204" pitchFamily="34" charset="0"/>
+                      </a:endParaRPr>
+                    </a:p>
+                  </a:txBody>
+                  <a:tcPr marL="68580" marR="68580" marT="0" marB="0"/>
+                </a:tc>
+                <a:tc>
+                  <a:txBody>
+                    <a:bodyPr/>
+                    <a:lstStyle/>
+                    <a:p>
+                      <a:pPr>
+                        <a:lnSpc>
+                          <a:spcPct val="107000"/>
+                        </a:lnSpc>
+                        <a:spcAft>
+                          <a:spcPts val="800"/>
+                        </a:spcAft>
+                      </a:pPr>
+                      <a:r>
+                        <a:rPr lang="en-AU" sz="1800">
+                          <a:effectLst/>
+                        </a:rPr>
+                        <a:t>N/A</a:t>
+                      </a:r>
+                      <a:endParaRPr lang="en-AU" sz="1800">
+                        <a:effectLst/>
+                        <a:latin typeface="Calibri" panose="020F0502020204030204" pitchFamily="34" charset="0"/>
+                        <a:ea typeface="Yu Mincho" panose="02020400000000000000" pitchFamily="18" charset="-128"/>
+                        <a:cs typeface="Arial" panose="020B0604020202020204" pitchFamily="34" charset="0"/>
+                      </a:endParaRPr>
+                    </a:p>
+                  </a:txBody>
+                  <a:tcPr marL="68580" marR="68580" marT="0" marB="0"/>
+                </a:tc>
+                <a:extLst>
+                  <a:ext uri="{0D108BD9-81ED-4DB2-BD59-A6C34878D82A}">
+                    <a16:rowId xmlns:a16="http://schemas.microsoft.com/office/drawing/2014/main" val="2855441399"/>
+                  </a:ext>
+                </a:extLst>
+              </a:tr>
+              <a:tr h="414643">
+                <a:tc>
+                  <a:txBody>
+                    <a:bodyPr/>
+                    <a:lstStyle/>
+                    <a:p>
+                      <a:pPr>
+                        <a:lnSpc>
+                          <a:spcPct val="107000"/>
+                        </a:lnSpc>
+                        <a:spcAft>
+                          <a:spcPts val="800"/>
+                        </a:spcAft>
+                      </a:pPr>
+                      <a:r>
+                        <a:rPr lang="en-AU" sz="1800" b="1">
+                          <a:effectLst/>
+                        </a:rPr>
+                        <a:t>C2000.9</a:t>
+                      </a:r>
+                      <a:endParaRPr lang="en-AU" sz="1800" b="1">
+                        <a:effectLst/>
+                        <a:latin typeface="Calibri" panose="020F0502020204030204" pitchFamily="34" charset="0"/>
+                        <a:ea typeface="Yu Mincho" panose="02020400000000000000" pitchFamily="18" charset="-128"/>
+                        <a:cs typeface="Arial" panose="020B0604020202020204" pitchFamily="34" charset="0"/>
+                      </a:endParaRPr>
+                    </a:p>
+                  </a:txBody>
+                  <a:tcPr marL="68580" marR="68580" marT="0" marB="0"/>
+                </a:tc>
+                <a:tc>
+                  <a:txBody>
+                    <a:bodyPr/>
+                    <a:lstStyle/>
+                    <a:p>
+                      <a:pPr>
+                        <a:lnSpc>
+                          <a:spcPct val="107000"/>
+                        </a:lnSpc>
+                        <a:spcAft>
+                          <a:spcPts val="800"/>
+                        </a:spcAft>
+                      </a:pPr>
+                      <a:r>
+                        <a:rPr lang="en-AU" sz="1800">
+                          <a:effectLst/>
+                        </a:rPr>
+                        <a:t>1922</a:t>
+                      </a:r>
+                      <a:endParaRPr lang="en-AU" sz="1800">
+                        <a:effectLst/>
+                        <a:latin typeface="Calibri" panose="020F0502020204030204" pitchFamily="34" charset="0"/>
+                        <a:ea typeface="Yu Mincho" panose="02020400000000000000" pitchFamily="18" charset="-128"/>
+                        <a:cs typeface="Arial" panose="020B0604020202020204" pitchFamily="34" charset="0"/>
+                      </a:endParaRPr>
+                    </a:p>
+                  </a:txBody>
+                  <a:tcPr marL="68580" marR="68580" marT="0" marB="0"/>
+                </a:tc>
+                <a:tc>
+                  <a:txBody>
+                    <a:bodyPr/>
+                    <a:lstStyle/>
+                    <a:p>
+                      <a:pPr>
+                        <a:lnSpc>
+                          <a:spcPct val="107000"/>
+                        </a:lnSpc>
+                        <a:spcAft>
+                          <a:spcPts val="800"/>
+                        </a:spcAft>
+                      </a:pPr>
+                      <a:r>
+                        <a:rPr lang="en-AU" sz="1800">
+                          <a:effectLst/>
+                        </a:rPr>
+                        <a:t>N/A</a:t>
+                      </a:r>
+                      <a:endParaRPr lang="en-AU" sz="1800">
+                        <a:effectLst/>
+                        <a:latin typeface="Calibri" panose="020F0502020204030204" pitchFamily="34" charset="0"/>
+                        <a:ea typeface="Yu Mincho" panose="02020400000000000000" pitchFamily="18" charset="-128"/>
+                        <a:cs typeface="Arial" panose="020B0604020202020204" pitchFamily="34" charset="0"/>
+                      </a:endParaRPr>
+                    </a:p>
+                  </a:txBody>
+                  <a:tcPr marL="68580" marR="68580" marT="0" marB="0"/>
+                </a:tc>
+                <a:extLst>
+                  <a:ext uri="{0D108BD9-81ED-4DB2-BD59-A6C34878D82A}">
+                    <a16:rowId xmlns:a16="http://schemas.microsoft.com/office/drawing/2014/main" val="1894413972"/>
+                  </a:ext>
+                </a:extLst>
+              </a:tr>
+              <a:tr h="414643">
+                <a:tc>
+                  <a:txBody>
+                    <a:bodyPr/>
+                    <a:lstStyle/>
+                    <a:p>
+                      <a:pPr>
+                        <a:lnSpc>
+                          <a:spcPct val="107000"/>
+                        </a:lnSpc>
+                        <a:spcAft>
+                          <a:spcPts val="800"/>
+                        </a:spcAft>
+                      </a:pPr>
+                      <a:r>
+                        <a:rPr lang="en-AU" sz="1800" b="1">
+                          <a:effectLst/>
+                        </a:rPr>
+                        <a:t>C4000.5</a:t>
+                      </a:r>
+                      <a:endParaRPr lang="en-AU" sz="1800" b="1">
+                        <a:effectLst/>
+                        <a:latin typeface="Calibri" panose="020F0502020204030204" pitchFamily="34" charset="0"/>
+                        <a:ea typeface="Yu Mincho" panose="02020400000000000000" pitchFamily="18" charset="-128"/>
+                        <a:cs typeface="Arial" panose="020B0604020202020204" pitchFamily="34" charset="0"/>
+                      </a:endParaRPr>
+                    </a:p>
+                  </a:txBody>
+                  <a:tcPr marL="68580" marR="68580" marT="0" marB="0"/>
+                </a:tc>
+                <a:tc>
+                  <a:txBody>
+                    <a:bodyPr/>
+                    <a:lstStyle/>
+                    <a:p>
+                      <a:pPr>
+                        <a:lnSpc>
+                          <a:spcPct val="107000"/>
+                        </a:lnSpc>
+                        <a:spcAft>
+                          <a:spcPts val="800"/>
+                        </a:spcAft>
+                      </a:pPr>
+                      <a:r>
+                        <a:rPr lang="en-AU" sz="1800">
+                          <a:effectLst/>
+                        </a:rPr>
+                        <a:t>3982</a:t>
+                      </a:r>
+                      <a:endParaRPr lang="en-AU" sz="1800">
+                        <a:effectLst/>
+                        <a:latin typeface="Calibri" panose="020F0502020204030204" pitchFamily="34" charset="0"/>
+                        <a:ea typeface="Yu Mincho" panose="02020400000000000000" pitchFamily="18" charset="-128"/>
+                        <a:cs typeface="Arial" panose="020B0604020202020204" pitchFamily="34" charset="0"/>
+                      </a:endParaRPr>
+                    </a:p>
+                  </a:txBody>
+                  <a:tcPr marL="68580" marR="68580" marT="0" marB="0"/>
+                </a:tc>
+                <a:tc>
+                  <a:txBody>
+                    <a:bodyPr/>
+                    <a:lstStyle/>
+                    <a:p>
+                      <a:pPr>
+                        <a:lnSpc>
+                          <a:spcPct val="107000"/>
+                        </a:lnSpc>
+                        <a:spcAft>
+                          <a:spcPts val="800"/>
+                        </a:spcAft>
+                      </a:pPr>
+                      <a:r>
+                        <a:rPr lang="en-AU" sz="1800">
+                          <a:effectLst/>
+                        </a:rPr>
+                        <a:t>N/A</a:t>
+                      </a:r>
+                      <a:endParaRPr lang="en-AU" sz="1800">
+                        <a:effectLst/>
+                        <a:latin typeface="Calibri" panose="020F0502020204030204" pitchFamily="34" charset="0"/>
+                        <a:ea typeface="Yu Mincho" panose="02020400000000000000" pitchFamily="18" charset="-128"/>
+                        <a:cs typeface="Arial" panose="020B0604020202020204" pitchFamily="34" charset="0"/>
+                      </a:endParaRPr>
+                    </a:p>
+                  </a:txBody>
+                  <a:tcPr marL="68580" marR="68580" marT="0" marB="0"/>
+                </a:tc>
+                <a:extLst>
+                  <a:ext uri="{0D108BD9-81ED-4DB2-BD59-A6C34878D82A}">
+                    <a16:rowId xmlns:a16="http://schemas.microsoft.com/office/drawing/2014/main" val="1186215529"/>
+                  </a:ext>
+                </a:extLst>
+              </a:tr>
+              <a:tr h="414643">
+                <a:tc>
+                  <a:txBody>
+                    <a:bodyPr/>
+                    <a:lstStyle/>
+                    <a:p>
+                      <a:pPr>
+                        <a:lnSpc>
+                          <a:spcPct val="107000"/>
+                        </a:lnSpc>
+                        <a:spcAft>
+                          <a:spcPts val="800"/>
+                        </a:spcAft>
+                      </a:pPr>
+                      <a:r>
+                        <a:rPr lang="en-AU" sz="1800" b="1">
+                          <a:effectLst/>
+                        </a:rPr>
+                        <a:t>MANN_a45</a:t>
+                      </a:r>
+                      <a:endParaRPr lang="en-AU" sz="1800" b="1">
+                        <a:effectLst/>
+                        <a:latin typeface="Calibri" panose="020F0502020204030204" pitchFamily="34" charset="0"/>
+                        <a:ea typeface="Yu Mincho" panose="02020400000000000000" pitchFamily="18" charset="-128"/>
+                        <a:cs typeface="Arial" panose="020B0604020202020204" pitchFamily="34" charset="0"/>
+                      </a:endParaRPr>
+                    </a:p>
+                  </a:txBody>
+                  <a:tcPr marL="68580" marR="68580" marT="0" marB="0"/>
+                </a:tc>
+                <a:tc>
+                  <a:txBody>
+                    <a:bodyPr/>
+                    <a:lstStyle/>
+                    <a:p>
+                      <a:pPr>
+                        <a:lnSpc>
+                          <a:spcPct val="107000"/>
+                        </a:lnSpc>
+                        <a:spcAft>
+                          <a:spcPts val="800"/>
+                        </a:spcAft>
+                      </a:pPr>
+                      <a:r>
+                        <a:rPr lang="en-AU" sz="1800">
+                          <a:effectLst/>
+                        </a:rPr>
+                        <a:t>691</a:t>
+                      </a:r>
+                      <a:endParaRPr lang="en-AU" sz="1800">
+                        <a:effectLst/>
+                        <a:latin typeface="Calibri" panose="020F0502020204030204" pitchFamily="34" charset="0"/>
+                        <a:ea typeface="Yu Mincho" panose="02020400000000000000" pitchFamily="18" charset="-128"/>
+                        <a:cs typeface="Arial" panose="020B0604020202020204" pitchFamily="34" charset="0"/>
+                      </a:endParaRPr>
+                    </a:p>
+                  </a:txBody>
+                  <a:tcPr marL="68580" marR="68580" marT="0" marB="0"/>
+                </a:tc>
+                <a:tc>
+                  <a:txBody>
+                    <a:bodyPr/>
+                    <a:lstStyle/>
+                    <a:p>
+                      <a:pPr>
+                        <a:lnSpc>
+                          <a:spcPct val="107000"/>
+                        </a:lnSpc>
+                        <a:spcAft>
+                          <a:spcPts val="800"/>
+                        </a:spcAft>
+                      </a:pPr>
+                      <a:r>
+                        <a:rPr lang="en-AU" sz="1800">
+                          <a:effectLst/>
+                        </a:rPr>
+                        <a:t>N/A</a:t>
+                      </a:r>
+                      <a:endParaRPr lang="en-AU" sz="1800">
+                        <a:effectLst/>
+                        <a:latin typeface="Calibri" panose="020F0502020204030204" pitchFamily="34" charset="0"/>
+                        <a:ea typeface="Yu Mincho" panose="02020400000000000000" pitchFamily="18" charset="-128"/>
+                        <a:cs typeface="Arial" panose="020B0604020202020204" pitchFamily="34" charset="0"/>
+                      </a:endParaRPr>
+                    </a:p>
+                  </a:txBody>
+                  <a:tcPr marL="68580" marR="68580" marT="0" marB="0"/>
+                </a:tc>
+                <a:extLst>
+                  <a:ext uri="{0D108BD9-81ED-4DB2-BD59-A6C34878D82A}">
+                    <a16:rowId xmlns:a16="http://schemas.microsoft.com/office/drawing/2014/main" val="2527924147"/>
+                  </a:ext>
+                </a:extLst>
+              </a:tr>
+              <a:tr h="654579">
+                <a:tc>
+                  <a:txBody>
+                    <a:bodyPr/>
+                    <a:lstStyle/>
+                    <a:p>
+                      <a:pPr>
+                        <a:lnSpc>
+                          <a:spcPct val="107000"/>
+                        </a:lnSpc>
+                        <a:spcAft>
+                          <a:spcPts val="800"/>
+                        </a:spcAft>
+                      </a:pPr>
+                      <a:r>
+                        <a:rPr lang="en-AU" sz="1800" b="1" dirty="0">
+                          <a:effectLst/>
+                        </a:rPr>
+                        <a:t>p_hat1500-1</a:t>
+                      </a:r>
+                      <a:endParaRPr lang="en-AU" sz="1800" b="1" dirty="0">
+                        <a:effectLst/>
+                        <a:latin typeface="Calibri" panose="020F0502020204030204" pitchFamily="34" charset="0"/>
+                        <a:ea typeface="Yu Mincho" panose="02020400000000000000" pitchFamily="18" charset="-128"/>
+                        <a:cs typeface="Arial" panose="020B0604020202020204" pitchFamily="34" charset="0"/>
+                      </a:endParaRPr>
+                    </a:p>
+                  </a:txBody>
+                  <a:tcPr marL="68580" marR="68580" marT="0" marB="0"/>
+                </a:tc>
+                <a:tc>
+                  <a:txBody>
+                    <a:bodyPr/>
+                    <a:lstStyle/>
+                    <a:p>
+                      <a:pPr>
+                        <a:lnSpc>
+                          <a:spcPct val="107000"/>
+                        </a:lnSpc>
+                        <a:spcAft>
+                          <a:spcPts val="800"/>
+                        </a:spcAft>
+                      </a:pPr>
+                      <a:r>
+                        <a:rPr lang="en-AU" sz="1800" dirty="0">
+                          <a:effectLst/>
+                        </a:rPr>
+                        <a:t>1488</a:t>
+                      </a:r>
+                      <a:endParaRPr lang="en-AU" sz="1800" dirty="0">
+                        <a:effectLst/>
+                        <a:latin typeface="Calibri" panose="020F0502020204030204" pitchFamily="34" charset="0"/>
+                        <a:ea typeface="Yu Mincho" panose="02020400000000000000" pitchFamily="18" charset="-128"/>
+                        <a:cs typeface="Arial" panose="020B0604020202020204" pitchFamily="34" charset="0"/>
+                      </a:endParaRPr>
+                    </a:p>
+                  </a:txBody>
+                  <a:tcPr marL="68580" marR="68580" marT="0" marB="0"/>
+                </a:tc>
+                <a:tc>
+                  <a:txBody>
+                    <a:bodyPr/>
+                    <a:lstStyle/>
+                    <a:p>
+                      <a:pPr>
+                        <a:lnSpc>
+                          <a:spcPct val="107000"/>
+                        </a:lnSpc>
+                        <a:spcAft>
+                          <a:spcPts val="800"/>
+                        </a:spcAft>
+                      </a:pPr>
+                      <a:r>
+                        <a:rPr lang="en-AU" sz="1800" dirty="0">
+                          <a:effectLst/>
+                        </a:rPr>
+                        <a:t>N/A</a:t>
+                      </a:r>
+                      <a:endParaRPr lang="en-AU" sz="1800" dirty="0">
+                        <a:effectLst/>
+                        <a:latin typeface="Calibri" panose="020F0502020204030204" pitchFamily="34" charset="0"/>
+                        <a:ea typeface="Yu Mincho" panose="02020400000000000000" pitchFamily="18" charset="-128"/>
+                        <a:cs typeface="Arial" panose="020B0604020202020204" pitchFamily="34" charset="0"/>
+                      </a:endParaRPr>
+                    </a:p>
+                  </a:txBody>
+                  <a:tcPr marL="68580" marR="68580" marT="0" marB="0"/>
+                </a:tc>
+                <a:extLst>
+                  <a:ext uri="{0D108BD9-81ED-4DB2-BD59-A6C34878D82A}">
+                    <a16:rowId xmlns:a16="http://schemas.microsoft.com/office/drawing/2014/main" val="1160637358"/>
+                  </a:ext>
+                </a:extLst>
+              </a:tr>
+            </a:tbl>
+          </a:graphicData>
+        </a:graphic>
+      </p:graphicFrame>
+    </p:spTree>
+    <p:extLst>
+      <p:ext uri="{BB962C8B-B14F-4D97-AF65-F5344CB8AC3E}">
+        <p14:creationId xmlns:p14="http://schemas.microsoft.com/office/powerpoint/2010/main" val="2925843969"/>
+      </p:ext>
+    </p:extLst>
+  </p:cSld>
+  <p:clrMapOvr>
+    <a:masterClrMapping/>
+  </p:clrMapOvr>
+</p:sld>
+</file>
+
+<file path=ppt/slides/slide8.xml><?xml version="1.0" encoding="utf-8"?>
+<p:sld xmlns:a="http://schemas.openxmlformats.org/drawingml/2006/main" xmlns:r="http://schemas.openxmlformats.org/officeDocument/2006/relationships" xmlns:p="http://schemas.openxmlformats.org/presentationml/2006/main">
+  <p:cSld>
+    <p:spTree>
+      <p:nvGrpSpPr>
+        <p:cNvPr id="1" name=""/>
+        <p:cNvGrpSpPr/>
+        <p:nvPr/>
+      </p:nvGrpSpPr>
+      <p:grpSpPr>
+        <a:xfrm>
+          <a:off x="0" y="0"/>
+          <a:ext cx="0" cy="0"/>
+          <a:chOff x="0" y="0"/>
+          <a:chExt cx="0" cy="0"/>
+        </a:xfrm>
+      </p:grpSpPr>
+      <p:sp>
+        <p:nvSpPr>
+          <p:cNvPr id="2" name="Title 1">
+            <a:extLst>
+              <a:ext uri="{FF2B5EF4-FFF2-40B4-BE49-F238E27FC236}">
+                <a16:creationId xmlns:a16="http://schemas.microsoft.com/office/drawing/2014/main" id="{0E2498B1-1893-4C2C-B460-B6D215208419}"/>
+              </a:ext>
+            </a:extLst>
+          </p:cNvPr>
+          <p:cNvSpPr>
+            <a:spLocks noGrp="1"/>
+          </p:cNvSpPr>
+          <p:nvPr>
+            <p:ph type="title"/>
+          </p:nvPr>
+        </p:nvSpPr>
+        <p:spPr/>
+        <p:txBody>
+          <a:bodyPr/>
+          <a:lstStyle/>
+          <a:p>
+            <a:r>
+              <a:rPr lang="en-AU" dirty="0"/>
+              <a:t>Performance Analysis</a:t>
+            </a:r>
+          </a:p>
+        </p:txBody>
+      </p:sp>
+      <p:sp>
+        <p:nvSpPr>
+          <p:cNvPr id="5" name="Content Placeholder 2">
+            <a:extLst>
+              <a:ext uri="{FF2B5EF4-FFF2-40B4-BE49-F238E27FC236}">
+                <a16:creationId xmlns:a16="http://schemas.microsoft.com/office/drawing/2014/main" id="{BC516A08-56B4-4C2A-902E-47C820CBF3A6}"/>
+              </a:ext>
+            </a:extLst>
+          </p:cNvPr>
+          <p:cNvSpPr>
+            <a:spLocks noGrp="1"/>
+          </p:cNvSpPr>
+          <p:nvPr>
+            <p:ph idx="1"/>
+          </p:nvPr>
+        </p:nvSpPr>
+        <p:spPr>
+          <a:xfrm>
+            <a:off x="838199" y="1825624"/>
+            <a:ext cx="5257801" cy="4815807"/>
+          </a:xfrm>
+        </p:spPr>
+        <p:txBody>
+          <a:bodyPr>
+            <a:normAutofit/>
+          </a:bodyPr>
+          <a:lstStyle/>
+          <a:p>
+            <a:r>
+              <a:rPr lang="en-AU" b="1" dirty="0"/>
+              <a:t>The algorithm performance was extremely poor </a:t>
+            </a:r>
+            <a:r>
+              <a:rPr lang="en-AU" dirty="0"/>
+              <a:t>and was not able to run in a reasonable amount of time.</a:t>
+            </a:r>
+          </a:p>
+          <a:p>
+            <a:r>
+              <a:rPr lang="en-AU" dirty="0"/>
+              <a:t>The approach that was used has a few nested loop operations that indicate the algorithm has a worst-case </a:t>
+            </a:r>
+            <a:r>
+              <a:rPr lang="en-AU" b="1" dirty="0"/>
+              <a:t>time complexity of O(</a:t>
+            </a:r>
+            <a:r>
+              <a:rPr lang="en-AU" b="1" dirty="0">
+                <a:effectLst/>
+                <a:latin typeface="Calibri" panose="020F0502020204030204" pitchFamily="34" charset="0"/>
+                <a:ea typeface="Yu Mincho" panose="02020400000000000000" pitchFamily="18" charset="-128"/>
+                <a:cs typeface="Arial" panose="020B0604020202020204" pitchFamily="34" charset="0"/>
+              </a:rPr>
+              <a:t>e</a:t>
+            </a:r>
+            <a:r>
+              <a:rPr lang="en-AU" b="1" baseline="30000" dirty="0">
+                <a:effectLst/>
+                <a:latin typeface="Calibri" panose="020F0502020204030204" pitchFamily="34" charset="0"/>
+                <a:ea typeface="Yu Mincho" panose="02020400000000000000" pitchFamily="18" charset="-128"/>
+                <a:cs typeface="Arial" panose="020B0604020202020204" pitchFamily="34" charset="0"/>
+              </a:rPr>
+              <a:t>2</a:t>
+            </a:r>
+            <a:r>
+              <a:rPr lang="en-AU" b="1" dirty="0"/>
+              <a:t> + </a:t>
+            </a:r>
+            <a:r>
+              <a:rPr lang="en-AU" b="1" dirty="0">
+                <a:effectLst/>
+                <a:latin typeface="Calibri" panose="020F0502020204030204" pitchFamily="34" charset="0"/>
+                <a:ea typeface="Yu Mincho" panose="02020400000000000000" pitchFamily="18" charset="-128"/>
+                <a:cs typeface="Arial" panose="020B0604020202020204" pitchFamily="34" charset="0"/>
+              </a:rPr>
+              <a:t>n</a:t>
+            </a:r>
+            <a:r>
+              <a:rPr lang="en-AU" b="1" baseline="30000" dirty="0">
+                <a:effectLst/>
+                <a:latin typeface="Calibri" panose="020F0502020204030204" pitchFamily="34" charset="0"/>
+                <a:ea typeface="Yu Mincho" panose="02020400000000000000" pitchFamily="18" charset="-128"/>
+                <a:cs typeface="Arial" panose="020B0604020202020204" pitchFamily="34" charset="0"/>
+              </a:rPr>
+              <a:t>2</a:t>
+            </a:r>
+            <a:r>
+              <a:rPr lang="en-AU" b="1" dirty="0"/>
+              <a:t>) </a:t>
+            </a:r>
+            <a:r>
+              <a:rPr lang="en-AU" dirty="0"/>
+              <a:t>where n is the number of nodes, and e is the number of edges.</a:t>
+            </a:r>
+            <a:endParaRPr lang="en-AU" b="1" dirty="0"/>
+          </a:p>
+        </p:txBody>
+      </p:sp>
+      <p:graphicFrame>
+        <p:nvGraphicFramePr>
+          <p:cNvPr id="6" name="Table 5">
+            <a:extLst>
+              <a:ext uri="{FF2B5EF4-FFF2-40B4-BE49-F238E27FC236}">
+                <a16:creationId xmlns:a16="http://schemas.microsoft.com/office/drawing/2014/main" id="{1CB9DDA2-4B86-4D3E-8DDC-00368E1BA296}"/>
+              </a:ext>
+            </a:extLst>
+          </p:cNvPr>
+          <p:cNvGraphicFramePr>
+            <a:graphicFrameLocks noGrp="1"/>
+          </p:cNvGraphicFramePr>
+          <p:nvPr>
+            <p:extLst>
+              <p:ext uri="{D42A27DB-BD31-4B8C-83A1-F6EECF244321}">
+                <p14:modId xmlns:p14="http://schemas.microsoft.com/office/powerpoint/2010/main" val="58177354"/>
+              </p:ext>
+            </p:extLst>
+          </p:nvPr>
+        </p:nvGraphicFramePr>
+        <p:xfrm>
+          <a:off x="6448928" y="1190174"/>
+          <a:ext cx="5123323" cy="4671620"/>
+        </p:xfrm>
+        <a:graphic>
+          <a:graphicData uri="http://schemas.openxmlformats.org/drawingml/2006/table">
+            <a:tbl>
+              <a:tblPr firstRow="1" firstCol="1" bandRow="1">
+                <a:tableStyleId>{C083E6E3-FA7D-4D7B-A595-EF9225AFEA82}</a:tableStyleId>
+              </a:tblPr>
+              <a:tblGrid>
+                <a:gridCol w="1707143">
+                  <a:extLst>
+                    <a:ext uri="{9D8B030D-6E8A-4147-A177-3AD203B41FA5}">
+                      <a16:colId xmlns:a16="http://schemas.microsoft.com/office/drawing/2014/main" val="2401194196"/>
+                    </a:ext>
+                  </a:extLst>
+                </a:gridCol>
+                <a:gridCol w="1708090">
+                  <a:extLst>
+                    <a:ext uri="{9D8B030D-6E8A-4147-A177-3AD203B41FA5}">
+                      <a16:colId xmlns:a16="http://schemas.microsoft.com/office/drawing/2014/main" val="3237780521"/>
+                    </a:ext>
+                  </a:extLst>
+                </a:gridCol>
+                <a:gridCol w="1708090">
+                  <a:extLst>
+                    <a:ext uri="{9D8B030D-6E8A-4147-A177-3AD203B41FA5}">
+                      <a16:colId xmlns:a16="http://schemas.microsoft.com/office/drawing/2014/main" val="3502531506"/>
+                    </a:ext>
+                  </a:extLst>
+                </a:gridCol>
+              </a:tblGrid>
+              <a:tr h="467162">
+                <a:tc rowSpan="2">
+                  <a:txBody>
+                    <a:bodyPr/>
+                    <a:lstStyle/>
+                    <a:p>
+                      <a:pPr>
+                        <a:lnSpc>
+                          <a:spcPct val="107000"/>
+                        </a:lnSpc>
+                        <a:spcAft>
+                          <a:spcPts val="800"/>
+                        </a:spcAft>
+                      </a:pPr>
+                      <a:r>
+                        <a:rPr lang="en-AU" sz="1800" dirty="0">
+                          <a:effectLst/>
+                        </a:rPr>
+                        <a:t>Graph</a:t>
+                      </a:r>
+                      <a:endParaRPr lang="en-AU" sz="1800" dirty="0">
+                        <a:effectLst/>
+                        <a:latin typeface="Calibri" panose="020F0502020204030204" pitchFamily="34" charset="0"/>
+                        <a:ea typeface="Yu Mincho" panose="02020400000000000000" pitchFamily="18" charset="-128"/>
+                        <a:cs typeface="Arial" panose="020B0604020202020204" pitchFamily="34" charset="0"/>
+                      </a:endParaRPr>
+                    </a:p>
+                  </a:txBody>
+                  <a:tcPr marL="68580" marR="68580" marT="0" marB="0"/>
+                </a:tc>
+                <a:tc gridSpan="2">
+                  <a:txBody>
+                    <a:bodyPr/>
+                    <a:lstStyle/>
+                    <a:p>
+                      <a:pPr>
+                        <a:lnSpc>
+                          <a:spcPct val="107000"/>
+                        </a:lnSpc>
+                        <a:spcAft>
+                          <a:spcPts val="800"/>
+                        </a:spcAft>
+                      </a:pPr>
+                      <a:r>
+                        <a:rPr lang="en-AU" sz="1800" b="1" dirty="0">
+                          <a:effectLst/>
+                        </a:rPr>
+                        <a:t>Average CPU Time</a:t>
+                      </a:r>
+                      <a:endParaRPr lang="en-AU" sz="1800" b="1" dirty="0">
+                        <a:effectLst/>
+                        <a:latin typeface="Calibri" panose="020F0502020204030204" pitchFamily="34" charset="0"/>
+                        <a:ea typeface="Yu Mincho" panose="02020400000000000000" pitchFamily="18" charset="-128"/>
+                        <a:cs typeface="Arial" panose="020B0604020202020204" pitchFamily="34" charset="0"/>
+                      </a:endParaRPr>
+                    </a:p>
+                  </a:txBody>
+                  <a:tcPr marL="68580" marR="68580" marT="0" marB="0"/>
+                </a:tc>
+                <a:tc hMerge="1">
+                  <a:txBody>
+                    <a:bodyPr/>
+                    <a:lstStyle/>
+                    <a:p>
+                      <a:endParaRPr lang="en-AU"/>
+                    </a:p>
+                  </a:txBody>
+                  <a:tcPr/>
+                </a:tc>
+                <a:extLst>
+                  <a:ext uri="{0D108BD9-81ED-4DB2-BD59-A6C34878D82A}">
+                    <a16:rowId xmlns:a16="http://schemas.microsoft.com/office/drawing/2014/main" val="1329545730"/>
+                  </a:ext>
+                </a:extLst>
+              </a:tr>
+              <a:tr h="467162">
+                <a:tc vMerge="1">
+                  <a:txBody>
+                    <a:bodyPr/>
+                    <a:lstStyle/>
+                    <a:p>
+                      <a:endParaRPr lang="en-AU"/>
+                    </a:p>
+                  </a:txBody>
+                  <a:tcPr/>
+                </a:tc>
+                <a:tc>
+                  <a:txBody>
+                    <a:bodyPr/>
+                    <a:lstStyle/>
+                    <a:p>
+                      <a:pPr>
+                        <a:lnSpc>
+                          <a:spcPct val="107000"/>
+                        </a:lnSpc>
+                        <a:spcAft>
+                          <a:spcPts val="800"/>
+                        </a:spcAft>
+                      </a:pPr>
+                      <a:r>
+                        <a:rPr lang="en-AU" sz="1800" b="1" dirty="0">
+                          <a:effectLst/>
+                        </a:rPr>
+                        <a:t>Known results</a:t>
+                      </a:r>
+                      <a:endParaRPr lang="en-AU" sz="1800" b="1" dirty="0">
+                        <a:effectLst/>
+                        <a:latin typeface="Calibri" panose="020F0502020204030204" pitchFamily="34" charset="0"/>
+                        <a:ea typeface="Yu Mincho" panose="02020400000000000000" pitchFamily="18" charset="-128"/>
+                        <a:cs typeface="Arial" panose="020B0604020202020204" pitchFamily="34" charset="0"/>
+                      </a:endParaRPr>
+                    </a:p>
+                  </a:txBody>
+                  <a:tcPr marL="68580" marR="68580" marT="0" marB="0"/>
+                </a:tc>
+                <a:tc>
+                  <a:txBody>
+                    <a:bodyPr/>
+                    <a:lstStyle/>
+                    <a:p>
+                      <a:pPr>
+                        <a:lnSpc>
+                          <a:spcPct val="107000"/>
+                        </a:lnSpc>
+                        <a:spcAft>
+                          <a:spcPts val="800"/>
+                        </a:spcAft>
+                      </a:pPr>
+                      <a:r>
+                        <a:rPr lang="en-AU" sz="1800" b="1" dirty="0">
+                          <a:effectLst/>
+                        </a:rPr>
+                        <a:t>Obtained results</a:t>
+                      </a:r>
+                      <a:endParaRPr lang="en-AU" sz="1800" b="1" dirty="0">
+                        <a:effectLst/>
+                        <a:latin typeface="Calibri" panose="020F0502020204030204" pitchFamily="34" charset="0"/>
+                        <a:ea typeface="Yu Mincho" panose="02020400000000000000" pitchFamily="18" charset="-128"/>
+                        <a:cs typeface="Arial" panose="020B0604020202020204" pitchFamily="34" charset="0"/>
+                      </a:endParaRPr>
+                    </a:p>
+                  </a:txBody>
+                  <a:tcPr marL="68580" marR="68580" marT="0" marB="0"/>
+                </a:tc>
+                <a:extLst>
+                  <a:ext uri="{0D108BD9-81ED-4DB2-BD59-A6C34878D82A}">
+                    <a16:rowId xmlns:a16="http://schemas.microsoft.com/office/drawing/2014/main" val="1386055788"/>
+                  </a:ext>
+                </a:extLst>
+              </a:tr>
+              <a:tr h="467162">
+                <a:tc>
+                  <a:txBody>
+                    <a:bodyPr/>
+                    <a:lstStyle/>
+                    <a:p>
+                      <a:pPr>
+                        <a:lnSpc>
+                          <a:spcPct val="107000"/>
+                        </a:lnSpc>
+                        <a:spcAft>
+                          <a:spcPts val="800"/>
+                        </a:spcAft>
+                      </a:pPr>
+                      <a:r>
+                        <a:rPr lang="en-AU" sz="1800">
+                          <a:effectLst/>
+                        </a:rPr>
+                        <a:t>Brock800_1</a:t>
+                      </a:r>
+                      <a:endParaRPr lang="en-AU" sz="1800">
+                        <a:effectLst/>
+                        <a:latin typeface="Calibri" panose="020F0502020204030204" pitchFamily="34" charset="0"/>
+                        <a:ea typeface="Yu Mincho" panose="02020400000000000000" pitchFamily="18" charset="-128"/>
+                        <a:cs typeface="Arial" panose="020B0604020202020204" pitchFamily="34" charset="0"/>
+                      </a:endParaRPr>
+                    </a:p>
+                  </a:txBody>
+                  <a:tcPr marL="68580" marR="68580" marT="0" marB="0"/>
+                </a:tc>
+                <a:tc>
+                  <a:txBody>
+                    <a:bodyPr/>
+                    <a:lstStyle/>
+                    <a:p>
+                      <a:pPr>
+                        <a:lnSpc>
+                          <a:spcPct val="107000"/>
+                        </a:lnSpc>
+                        <a:spcAft>
+                          <a:spcPts val="800"/>
+                        </a:spcAft>
+                      </a:pPr>
+                      <a:r>
+                        <a:rPr lang="en-AU" sz="1800">
+                          <a:effectLst/>
+                        </a:rPr>
+                        <a:t>84.54</a:t>
+                      </a:r>
+                      <a:endParaRPr lang="en-AU" sz="1800">
+                        <a:effectLst/>
+                        <a:latin typeface="Calibri" panose="020F0502020204030204" pitchFamily="34" charset="0"/>
+                        <a:ea typeface="Yu Mincho" panose="02020400000000000000" pitchFamily="18" charset="-128"/>
+                        <a:cs typeface="Arial" panose="020B0604020202020204" pitchFamily="34" charset="0"/>
+                      </a:endParaRPr>
+                    </a:p>
+                  </a:txBody>
+                  <a:tcPr marL="68580" marR="68580" marT="0" marB="0"/>
+                </a:tc>
+                <a:tc>
+                  <a:txBody>
+                    <a:bodyPr/>
+                    <a:lstStyle/>
+                    <a:p>
+                      <a:pPr>
+                        <a:lnSpc>
+                          <a:spcPct val="107000"/>
+                        </a:lnSpc>
+                        <a:spcAft>
+                          <a:spcPts val="800"/>
+                        </a:spcAft>
+                      </a:pPr>
+                      <a:r>
+                        <a:rPr lang="en-AU" sz="1800">
+                          <a:effectLst/>
+                        </a:rPr>
+                        <a:t>1hr+</a:t>
+                      </a:r>
+                      <a:endParaRPr lang="en-AU" sz="1800">
+                        <a:effectLst/>
+                        <a:latin typeface="Calibri" panose="020F0502020204030204" pitchFamily="34" charset="0"/>
+                        <a:ea typeface="Yu Mincho" panose="02020400000000000000" pitchFamily="18" charset="-128"/>
+                        <a:cs typeface="Arial" panose="020B0604020202020204" pitchFamily="34" charset="0"/>
+                      </a:endParaRPr>
+                    </a:p>
+                  </a:txBody>
+                  <a:tcPr marL="68580" marR="68580" marT="0" marB="0"/>
+                </a:tc>
+                <a:extLst>
+                  <a:ext uri="{0D108BD9-81ED-4DB2-BD59-A6C34878D82A}">
+                    <a16:rowId xmlns:a16="http://schemas.microsoft.com/office/drawing/2014/main" val="1889158957"/>
+                  </a:ext>
+                </a:extLst>
+              </a:tr>
+              <a:tr h="467162">
+                <a:tc>
+                  <a:txBody>
+                    <a:bodyPr/>
+                    <a:lstStyle/>
+                    <a:p>
+                      <a:pPr>
+                        <a:lnSpc>
+                          <a:spcPct val="107000"/>
+                        </a:lnSpc>
+                        <a:spcAft>
+                          <a:spcPts val="800"/>
+                        </a:spcAft>
+                      </a:pPr>
+                      <a:r>
+                        <a:rPr lang="en-AU" sz="1800">
+                          <a:effectLst/>
+                        </a:rPr>
+                        <a:t>Brock800_2</a:t>
+                      </a:r>
+                      <a:endParaRPr lang="en-AU" sz="1800">
+                        <a:effectLst/>
+                        <a:latin typeface="Calibri" panose="020F0502020204030204" pitchFamily="34" charset="0"/>
+                        <a:ea typeface="Yu Mincho" panose="02020400000000000000" pitchFamily="18" charset="-128"/>
+                        <a:cs typeface="Arial" panose="020B0604020202020204" pitchFamily="34" charset="0"/>
+                      </a:endParaRPr>
+                    </a:p>
+                  </a:txBody>
+                  <a:tcPr marL="68580" marR="68580" marT="0" marB="0"/>
+                </a:tc>
+                <a:tc>
+                  <a:txBody>
+                    <a:bodyPr/>
+                    <a:lstStyle/>
+                    <a:p>
+                      <a:pPr>
+                        <a:lnSpc>
+                          <a:spcPct val="107000"/>
+                        </a:lnSpc>
+                        <a:spcAft>
+                          <a:spcPts val="800"/>
+                        </a:spcAft>
+                      </a:pPr>
+                      <a:r>
+                        <a:rPr lang="en-AU" sz="1800">
+                          <a:effectLst/>
+                        </a:rPr>
+                        <a:t>74.90</a:t>
+                      </a:r>
+                      <a:endParaRPr lang="en-AU" sz="1800">
+                        <a:effectLst/>
+                        <a:latin typeface="Calibri" panose="020F0502020204030204" pitchFamily="34" charset="0"/>
+                        <a:ea typeface="Yu Mincho" panose="02020400000000000000" pitchFamily="18" charset="-128"/>
+                        <a:cs typeface="Arial" panose="020B0604020202020204" pitchFamily="34" charset="0"/>
+                      </a:endParaRPr>
+                    </a:p>
+                  </a:txBody>
+                  <a:tcPr marL="68580" marR="68580" marT="0" marB="0"/>
+                </a:tc>
+                <a:tc>
+                  <a:txBody>
+                    <a:bodyPr/>
+                    <a:lstStyle/>
+                    <a:p>
+                      <a:pPr>
+                        <a:lnSpc>
+                          <a:spcPct val="107000"/>
+                        </a:lnSpc>
+                        <a:spcAft>
+                          <a:spcPts val="800"/>
+                        </a:spcAft>
+                      </a:pPr>
+                      <a:r>
+                        <a:rPr lang="en-AU" sz="1800">
+                          <a:effectLst/>
+                        </a:rPr>
+                        <a:t>1hr+</a:t>
+                      </a:r>
+                      <a:endParaRPr lang="en-AU" sz="1800">
+                        <a:effectLst/>
+                        <a:latin typeface="Calibri" panose="020F0502020204030204" pitchFamily="34" charset="0"/>
+                        <a:ea typeface="Yu Mincho" panose="02020400000000000000" pitchFamily="18" charset="-128"/>
+                        <a:cs typeface="Arial" panose="020B0604020202020204" pitchFamily="34" charset="0"/>
+                      </a:endParaRPr>
+                    </a:p>
+                  </a:txBody>
+                  <a:tcPr marL="68580" marR="68580" marT="0" marB="0"/>
+                </a:tc>
+                <a:extLst>
+                  <a:ext uri="{0D108BD9-81ED-4DB2-BD59-A6C34878D82A}">
+                    <a16:rowId xmlns:a16="http://schemas.microsoft.com/office/drawing/2014/main" val="3023359369"/>
+                  </a:ext>
+                </a:extLst>
+              </a:tr>
+              <a:tr h="467162">
+                <a:tc>
+                  <a:txBody>
+                    <a:bodyPr/>
+                    <a:lstStyle/>
+                    <a:p>
+                      <a:pPr>
+                        <a:lnSpc>
+                          <a:spcPct val="107000"/>
+                        </a:lnSpc>
+                        <a:spcAft>
+                          <a:spcPts val="800"/>
+                        </a:spcAft>
+                      </a:pPr>
+                      <a:r>
+                        <a:rPr lang="en-AU" sz="1800">
+                          <a:effectLst/>
+                        </a:rPr>
+                        <a:t>Brock800_3</a:t>
+                      </a:r>
+                      <a:endParaRPr lang="en-AU" sz="1800">
+                        <a:effectLst/>
+                        <a:latin typeface="Calibri" panose="020F0502020204030204" pitchFamily="34" charset="0"/>
+                        <a:ea typeface="Yu Mincho" panose="02020400000000000000" pitchFamily="18" charset="-128"/>
+                        <a:cs typeface="Arial" panose="020B0604020202020204" pitchFamily="34" charset="0"/>
+                      </a:endParaRPr>
+                    </a:p>
+                  </a:txBody>
+                  <a:tcPr marL="68580" marR="68580" marT="0" marB="0"/>
+                </a:tc>
+                <a:tc>
+                  <a:txBody>
+                    <a:bodyPr/>
+                    <a:lstStyle/>
+                    <a:p>
+                      <a:pPr>
+                        <a:lnSpc>
+                          <a:spcPct val="107000"/>
+                        </a:lnSpc>
+                        <a:spcAft>
+                          <a:spcPts val="800"/>
+                        </a:spcAft>
+                      </a:pPr>
+                      <a:r>
+                        <a:rPr lang="en-AU" sz="1800">
+                          <a:effectLst/>
+                        </a:rPr>
+                        <a:t>45.30</a:t>
+                      </a:r>
+                      <a:endParaRPr lang="en-AU" sz="1800">
+                        <a:effectLst/>
+                        <a:latin typeface="Calibri" panose="020F0502020204030204" pitchFamily="34" charset="0"/>
+                        <a:ea typeface="Yu Mincho" panose="02020400000000000000" pitchFamily="18" charset="-128"/>
+                        <a:cs typeface="Arial" panose="020B0604020202020204" pitchFamily="34" charset="0"/>
+                      </a:endParaRPr>
+                    </a:p>
+                  </a:txBody>
+                  <a:tcPr marL="68580" marR="68580" marT="0" marB="0"/>
+                </a:tc>
+                <a:tc>
+                  <a:txBody>
+                    <a:bodyPr/>
+                    <a:lstStyle/>
+                    <a:p>
+                      <a:pPr>
+                        <a:lnSpc>
+                          <a:spcPct val="107000"/>
+                        </a:lnSpc>
+                        <a:spcAft>
+                          <a:spcPts val="800"/>
+                        </a:spcAft>
+                      </a:pPr>
+                      <a:r>
+                        <a:rPr lang="en-AU" sz="1800">
+                          <a:effectLst/>
+                        </a:rPr>
+                        <a:t>1hr+</a:t>
+                      </a:r>
+                      <a:endParaRPr lang="en-AU" sz="1800">
+                        <a:effectLst/>
+                        <a:latin typeface="Calibri" panose="020F0502020204030204" pitchFamily="34" charset="0"/>
+                        <a:ea typeface="Yu Mincho" panose="02020400000000000000" pitchFamily="18" charset="-128"/>
+                        <a:cs typeface="Arial" panose="020B0604020202020204" pitchFamily="34" charset="0"/>
+                      </a:endParaRPr>
+                    </a:p>
+                  </a:txBody>
+                  <a:tcPr marL="68580" marR="68580" marT="0" marB="0"/>
+                </a:tc>
+                <a:extLst>
+                  <a:ext uri="{0D108BD9-81ED-4DB2-BD59-A6C34878D82A}">
+                    <a16:rowId xmlns:a16="http://schemas.microsoft.com/office/drawing/2014/main" val="2188793645"/>
+                  </a:ext>
+                </a:extLst>
+              </a:tr>
+              <a:tr h="467162">
+                <a:tc>
+                  <a:txBody>
+                    <a:bodyPr/>
+                    <a:lstStyle/>
+                    <a:p>
+                      <a:pPr>
+                        <a:lnSpc>
+                          <a:spcPct val="107000"/>
+                        </a:lnSpc>
+                        <a:spcAft>
+                          <a:spcPts val="800"/>
+                        </a:spcAft>
+                      </a:pPr>
+                      <a:r>
+                        <a:rPr lang="en-AU" sz="1800">
+                          <a:effectLst/>
+                        </a:rPr>
+                        <a:t>Brock800_4</a:t>
+                      </a:r>
+                      <a:endParaRPr lang="en-AU" sz="1800">
+                        <a:effectLst/>
+                        <a:latin typeface="Calibri" panose="020F0502020204030204" pitchFamily="34" charset="0"/>
+                        <a:ea typeface="Yu Mincho" panose="02020400000000000000" pitchFamily="18" charset="-128"/>
+                        <a:cs typeface="Arial" panose="020B0604020202020204" pitchFamily="34" charset="0"/>
+                      </a:endParaRPr>
+                    </a:p>
+                  </a:txBody>
+                  <a:tcPr marL="68580" marR="68580" marT="0" marB="0"/>
+                </a:tc>
+                <a:tc>
+                  <a:txBody>
+                    <a:bodyPr/>
+                    <a:lstStyle/>
+                    <a:p>
+                      <a:pPr>
+                        <a:lnSpc>
+                          <a:spcPct val="107000"/>
+                        </a:lnSpc>
+                        <a:spcAft>
+                          <a:spcPts val="800"/>
+                        </a:spcAft>
+                      </a:pPr>
+                      <a:r>
+                        <a:rPr lang="en-AU" sz="1800">
+                          <a:effectLst/>
+                        </a:rPr>
+                        <a:t>26.75</a:t>
+                      </a:r>
+                      <a:endParaRPr lang="en-AU" sz="1800">
+                        <a:effectLst/>
+                        <a:latin typeface="Calibri" panose="020F0502020204030204" pitchFamily="34" charset="0"/>
+                        <a:ea typeface="Yu Mincho" panose="02020400000000000000" pitchFamily="18" charset="-128"/>
+                        <a:cs typeface="Arial" panose="020B0604020202020204" pitchFamily="34" charset="0"/>
+                      </a:endParaRPr>
+                    </a:p>
+                  </a:txBody>
+                  <a:tcPr marL="68580" marR="68580" marT="0" marB="0"/>
+                </a:tc>
+                <a:tc>
+                  <a:txBody>
+                    <a:bodyPr/>
+                    <a:lstStyle/>
+                    <a:p>
+                      <a:pPr>
+                        <a:lnSpc>
+                          <a:spcPct val="107000"/>
+                        </a:lnSpc>
+                        <a:spcAft>
+                          <a:spcPts val="800"/>
+                        </a:spcAft>
+                      </a:pPr>
+                      <a:r>
+                        <a:rPr lang="en-AU" sz="1800">
+                          <a:effectLst/>
+                        </a:rPr>
+                        <a:t>1hr+</a:t>
+                      </a:r>
+                      <a:endParaRPr lang="en-AU" sz="1800">
+                        <a:effectLst/>
+                        <a:latin typeface="Calibri" panose="020F0502020204030204" pitchFamily="34" charset="0"/>
+                        <a:ea typeface="Yu Mincho" panose="02020400000000000000" pitchFamily="18" charset="-128"/>
+                        <a:cs typeface="Arial" panose="020B0604020202020204" pitchFamily="34" charset="0"/>
+                      </a:endParaRPr>
+                    </a:p>
+                  </a:txBody>
+                  <a:tcPr marL="68580" marR="68580" marT="0" marB="0"/>
+                </a:tc>
+                <a:extLst>
+                  <a:ext uri="{0D108BD9-81ED-4DB2-BD59-A6C34878D82A}">
+                    <a16:rowId xmlns:a16="http://schemas.microsoft.com/office/drawing/2014/main" val="763108476"/>
+                  </a:ext>
+                </a:extLst>
+              </a:tr>
+              <a:tr h="467162">
+                <a:tc>
+                  <a:txBody>
+                    <a:bodyPr/>
+                    <a:lstStyle/>
+                    <a:p>
+                      <a:pPr>
+                        <a:lnSpc>
+                          <a:spcPct val="107000"/>
+                        </a:lnSpc>
+                        <a:spcAft>
+                          <a:spcPts val="800"/>
+                        </a:spcAft>
+                      </a:pPr>
+                      <a:r>
+                        <a:rPr lang="en-AU" sz="1800">
+                          <a:effectLst/>
+                        </a:rPr>
+                        <a:t>C2000.9</a:t>
+                      </a:r>
+                      <a:endParaRPr lang="en-AU" sz="1800">
+                        <a:effectLst/>
+                        <a:latin typeface="Calibri" panose="020F0502020204030204" pitchFamily="34" charset="0"/>
+                        <a:ea typeface="Yu Mincho" panose="02020400000000000000" pitchFamily="18" charset="-128"/>
+                        <a:cs typeface="Arial" panose="020B0604020202020204" pitchFamily="34" charset="0"/>
+                      </a:endParaRPr>
+                    </a:p>
+                  </a:txBody>
+                  <a:tcPr marL="68580" marR="68580" marT="0" marB="0"/>
+                </a:tc>
+                <a:tc>
+                  <a:txBody>
+                    <a:bodyPr/>
+                    <a:lstStyle/>
+                    <a:p>
+                      <a:pPr>
+                        <a:lnSpc>
+                          <a:spcPct val="107000"/>
+                        </a:lnSpc>
+                        <a:spcAft>
+                          <a:spcPts val="800"/>
+                        </a:spcAft>
+                      </a:pPr>
+                      <a:r>
+                        <a:rPr lang="en-AU" sz="1800">
+                          <a:effectLst/>
+                        </a:rPr>
+                        <a:t>36.28</a:t>
+                      </a:r>
+                      <a:endParaRPr lang="en-AU" sz="1800">
+                        <a:effectLst/>
+                        <a:latin typeface="Calibri" panose="020F0502020204030204" pitchFamily="34" charset="0"/>
+                        <a:ea typeface="Yu Mincho" panose="02020400000000000000" pitchFamily="18" charset="-128"/>
+                        <a:cs typeface="Arial" panose="020B0604020202020204" pitchFamily="34" charset="0"/>
+                      </a:endParaRPr>
+                    </a:p>
+                  </a:txBody>
+                  <a:tcPr marL="68580" marR="68580" marT="0" marB="0"/>
+                </a:tc>
+                <a:tc>
+                  <a:txBody>
+                    <a:bodyPr/>
+                    <a:lstStyle/>
+                    <a:p>
+                      <a:pPr>
+                        <a:lnSpc>
+                          <a:spcPct val="107000"/>
+                        </a:lnSpc>
+                        <a:spcAft>
+                          <a:spcPts val="800"/>
+                        </a:spcAft>
+                      </a:pPr>
+                      <a:r>
+                        <a:rPr lang="en-AU" sz="1800">
+                          <a:effectLst/>
+                        </a:rPr>
+                        <a:t>1hr+</a:t>
+                      </a:r>
+                      <a:endParaRPr lang="en-AU" sz="1800">
+                        <a:effectLst/>
+                        <a:latin typeface="Calibri" panose="020F0502020204030204" pitchFamily="34" charset="0"/>
+                        <a:ea typeface="Yu Mincho" panose="02020400000000000000" pitchFamily="18" charset="-128"/>
+                        <a:cs typeface="Arial" panose="020B0604020202020204" pitchFamily="34" charset="0"/>
+                      </a:endParaRPr>
+                    </a:p>
+                  </a:txBody>
+                  <a:tcPr marL="68580" marR="68580" marT="0" marB="0"/>
+                </a:tc>
+                <a:extLst>
+                  <a:ext uri="{0D108BD9-81ED-4DB2-BD59-A6C34878D82A}">
+                    <a16:rowId xmlns:a16="http://schemas.microsoft.com/office/drawing/2014/main" val="231983325"/>
+                  </a:ext>
+                </a:extLst>
+              </a:tr>
+              <a:tr h="467162">
+                <a:tc>
+                  <a:txBody>
+                    <a:bodyPr/>
+                    <a:lstStyle/>
+                    <a:p>
+                      <a:pPr>
+                        <a:lnSpc>
+                          <a:spcPct val="107000"/>
+                        </a:lnSpc>
+                        <a:spcAft>
+                          <a:spcPts val="800"/>
+                        </a:spcAft>
+                      </a:pPr>
+                      <a:r>
+                        <a:rPr lang="en-AU" sz="1800">
+                          <a:effectLst/>
+                        </a:rPr>
+                        <a:t>C4000.5</a:t>
+                      </a:r>
+                      <a:endParaRPr lang="en-AU" sz="1800">
+                        <a:effectLst/>
+                        <a:latin typeface="Calibri" panose="020F0502020204030204" pitchFamily="34" charset="0"/>
+                        <a:ea typeface="Yu Mincho" panose="02020400000000000000" pitchFamily="18" charset="-128"/>
+                        <a:cs typeface="Arial" panose="020B0604020202020204" pitchFamily="34" charset="0"/>
+                      </a:endParaRPr>
+                    </a:p>
+                  </a:txBody>
+                  <a:tcPr marL="68580" marR="68580" marT="0" marB="0"/>
+                </a:tc>
+                <a:tc>
+                  <a:txBody>
+                    <a:bodyPr/>
+                    <a:lstStyle/>
+                    <a:p>
+                      <a:pPr>
+                        <a:lnSpc>
+                          <a:spcPct val="107000"/>
+                        </a:lnSpc>
+                        <a:spcAft>
+                          <a:spcPts val="800"/>
+                        </a:spcAft>
+                      </a:pPr>
+                      <a:r>
+                        <a:rPr lang="en-AU" sz="1800">
+                          <a:effectLst/>
+                        </a:rPr>
+                        <a:t>142.02</a:t>
+                      </a:r>
+                      <a:endParaRPr lang="en-AU" sz="1800">
+                        <a:effectLst/>
+                        <a:latin typeface="Calibri" panose="020F0502020204030204" pitchFamily="34" charset="0"/>
+                        <a:ea typeface="Yu Mincho" panose="02020400000000000000" pitchFamily="18" charset="-128"/>
+                        <a:cs typeface="Arial" panose="020B0604020202020204" pitchFamily="34" charset="0"/>
+                      </a:endParaRPr>
+                    </a:p>
+                  </a:txBody>
+                  <a:tcPr marL="68580" marR="68580" marT="0" marB="0"/>
+                </a:tc>
+                <a:tc>
+                  <a:txBody>
+                    <a:bodyPr/>
+                    <a:lstStyle/>
+                    <a:p>
+                      <a:pPr>
+                        <a:lnSpc>
+                          <a:spcPct val="107000"/>
+                        </a:lnSpc>
+                        <a:spcAft>
+                          <a:spcPts val="800"/>
+                        </a:spcAft>
+                      </a:pPr>
+                      <a:r>
+                        <a:rPr lang="en-AU" sz="1800">
+                          <a:effectLst/>
+                        </a:rPr>
+                        <a:t>1hr+</a:t>
+                      </a:r>
+                      <a:endParaRPr lang="en-AU" sz="1800">
+                        <a:effectLst/>
+                        <a:latin typeface="Calibri" panose="020F0502020204030204" pitchFamily="34" charset="0"/>
+                        <a:ea typeface="Yu Mincho" panose="02020400000000000000" pitchFamily="18" charset="-128"/>
+                        <a:cs typeface="Arial" panose="020B0604020202020204" pitchFamily="34" charset="0"/>
+                      </a:endParaRPr>
+                    </a:p>
+                  </a:txBody>
+                  <a:tcPr marL="68580" marR="68580" marT="0" marB="0"/>
+                </a:tc>
+                <a:extLst>
+                  <a:ext uri="{0D108BD9-81ED-4DB2-BD59-A6C34878D82A}">
+                    <a16:rowId xmlns:a16="http://schemas.microsoft.com/office/drawing/2014/main" val="77482771"/>
+                  </a:ext>
+                </a:extLst>
+              </a:tr>
+              <a:tr h="467162">
+                <a:tc>
+                  <a:txBody>
+                    <a:bodyPr/>
+                    <a:lstStyle/>
+                    <a:p>
+                      <a:pPr>
+                        <a:lnSpc>
+                          <a:spcPct val="107000"/>
+                        </a:lnSpc>
+                        <a:spcAft>
+                          <a:spcPts val="800"/>
+                        </a:spcAft>
+                      </a:pPr>
+                      <a:r>
+                        <a:rPr lang="en-AU" sz="1800">
+                          <a:effectLst/>
+                        </a:rPr>
+                        <a:t>MANN_a45</a:t>
+                      </a:r>
+                      <a:endParaRPr lang="en-AU" sz="1800">
+                        <a:effectLst/>
+                        <a:latin typeface="Calibri" panose="020F0502020204030204" pitchFamily="34" charset="0"/>
+                        <a:ea typeface="Yu Mincho" panose="02020400000000000000" pitchFamily="18" charset="-128"/>
+                        <a:cs typeface="Arial" panose="020B0604020202020204" pitchFamily="34" charset="0"/>
+                      </a:endParaRPr>
+                    </a:p>
+                  </a:txBody>
+                  <a:tcPr marL="68580" marR="68580" marT="0" marB="0"/>
+                </a:tc>
+                <a:tc>
+                  <a:txBody>
+                    <a:bodyPr/>
+                    <a:lstStyle/>
+                    <a:p>
+                      <a:pPr>
+                        <a:lnSpc>
+                          <a:spcPct val="107000"/>
+                        </a:lnSpc>
+                        <a:spcAft>
+                          <a:spcPts val="800"/>
+                        </a:spcAft>
+                      </a:pPr>
+                      <a:r>
+                        <a:rPr lang="en-AU" sz="1800">
+                          <a:effectLst/>
+                        </a:rPr>
+                        <a:t>88.76</a:t>
+                      </a:r>
+                      <a:endParaRPr lang="en-AU" sz="1800">
+                        <a:effectLst/>
+                        <a:latin typeface="Calibri" panose="020F0502020204030204" pitchFamily="34" charset="0"/>
+                        <a:ea typeface="Yu Mincho" panose="02020400000000000000" pitchFamily="18" charset="-128"/>
+                        <a:cs typeface="Arial" panose="020B0604020202020204" pitchFamily="34" charset="0"/>
+                      </a:endParaRPr>
+                    </a:p>
+                  </a:txBody>
+                  <a:tcPr marL="68580" marR="68580" marT="0" marB="0"/>
+                </a:tc>
+                <a:tc>
+                  <a:txBody>
+                    <a:bodyPr/>
+                    <a:lstStyle/>
+                    <a:p>
+                      <a:pPr>
+                        <a:lnSpc>
+                          <a:spcPct val="107000"/>
+                        </a:lnSpc>
+                        <a:spcAft>
+                          <a:spcPts val="800"/>
+                        </a:spcAft>
+                      </a:pPr>
+                      <a:r>
+                        <a:rPr lang="en-AU" sz="1800">
+                          <a:effectLst/>
+                        </a:rPr>
+                        <a:t>1hr+</a:t>
+                      </a:r>
+                      <a:endParaRPr lang="en-AU" sz="1800">
+                        <a:effectLst/>
+                        <a:latin typeface="Calibri" panose="020F0502020204030204" pitchFamily="34" charset="0"/>
+                        <a:ea typeface="Yu Mincho" panose="02020400000000000000" pitchFamily="18" charset="-128"/>
+                        <a:cs typeface="Arial" panose="020B0604020202020204" pitchFamily="34" charset="0"/>
+                      </a:endParaRPr>
+                    </a:p>
+                  </a:txBody>
+                  <a:tcPr marL="68580" marR="68580" marT="0" marB="0"/>
+                </a:tc>
+                <a:extLst>
+                  <a:ext uri="{0D108BD9-81ED-4DB2-BD59-A6C34878D82A}">
+                    <a16:rowId xmlns:a16="http://schemas.microsoft.com/office/drawing/2014/main" val="1538548156"/>
+                  </a:ext>
+                </a:extLst>
+              </a:tr>
+              <a:tr h="467162">
+                <a:tc>
+                  <a:txBody>
+                    <a:bodyPr/>
+                    <a:lstStyle/>
+                    <a:p>
+                      <a:pPr>
+                        <a:lnSpc>
+                          <a:spcPct val="107000"/>
+                        </a:lnSpc>
+                        <a:spcAft>
+                          <a:spcPts val="800"/>
+                        </a:spcAft>
+                      </a:pPr>
+                      <a:r>
+                        <a:rPr lang="en-AU" sz="1800">
+                          <a:effectLst/>
+                        </a:rPr>
+                        <a:t>p_hat1500-1</a:t>
+                      </a:r>
+                      <a:endParaRPr lang="en-AU" sz="1800">
+                        <a:effectLst/>
+                        <a:latin typeface="Calibri" panose="020F0502020204030204" pitchFamily="34" charset="0"/>
+                        <a:ea typeface="Yu Mincho" panose="02020400000000000000" pitchFamily="18" charset="-128"/>
+                        <a:cs typeface="Arial" panose="020B0604020202020204" pitchFamily="34" charset="0"/>
+                      </a:endParaRPr>
+                    </a:p>
+                  </a:txBody>
+                  <a:tcPr marL="68580" marR="68580" marT="0" marB="0"/>
+                </a:tc>
+                <a:tc>
+                  <a:txBody>
+                    <a:bodyPr/>
+                    <a:lstStyle/>
+                    <a:p>
+                      <a:pPr>
+                        <a:lnSpc>
+                          <a:spcPct val="107000"/>
+                        </a:lnSpc>
+                        <a:spcAft>
+                          <a:spcPts val="800"/>
+                        </a:spcAft>
+                      </a:pPr>
+                      <a:r>
+                        <a:rPr lang="en-AU" sz="1800" dirty="0">
+                          <a:effectLst/>
+                        </a:rPr>
+                        <a:t>1.39</a:t>
+                      </a:r>
+                      <a:endParaRPr lang="en-AU" sz="1800" dirty="0">
+                        <a:effectLst/>
+                        <a:latin typeface="Calibri" panose="020F0502020204030204" pitchFamily="34" charset="0"/>
+                        <a:ea typeface="Yu Mincho" panose="02020400000000000000" pitchFamily="18" charset="-128"/>
+                        <a:cs typeface="Arial" panose="020B0604020202020204" pitchFamily="34" charset="0"/>
+                      </a:endParaRPr>
+                    </a:p>
+                  </a:txBody>
+                  <a:tcPr marL="68580" marR="68580" marT="0" marB="0"/>
+                </a:tc>
+                <a:tc>
+                  <a:txBody>
+                    <a:bodyPr/>
+                    <a:lstStyle/>
+                    <a:p>
+                      <a:pPr>
+                        <a:lnSpc>
+                          <a:spcPct val="107000"/>
+                        </a:lnSpc>
+                        <a:spcAft>
+                          <a:spcPts val="800"/>
+                        </a:spcAft>
+                      </a:pPr>
+                      <a:r>
+                        <a:rPr lang="en-AU" sz="1800" dirty="0">
+                          <a:effectLst/>
+                        </a:rPr>
+                        <a:t>1hr+</a:t>
+                      </a:r>
+                      <a:endParaRPr lang="en-AU" sz="1800" dirty="0">
+                        <a:effectLst/>
+                        <a:latin typeface="Calibri" panose="020F0502020204030204" pitchFamily="34" charset="0"/>
+                        <a:ea typeface="Yu Mincho" panose="02020400000000000000" pitchFamily="18" charset="-128"/>
+                        <a:cs typeface="Arial" panose="020B0604020202020204" pitchFamily="34" charset="0"/>
+                      </a:endParaRPr>
+                    </a:p>
+                  </a:txBody>
+                  <a:tcPr marL="68580" marR="68580" marT="0" marB="0"/>
+                </a:tc>
+                <a:extLst>
+                  <a:ext uri="{0D108BD9-81ED-4DB2-BD59-A6C34878D82A}">
+                    <a16:rowId xmlns:a16="http://schemas.microsoft.com/office/drawing/2014/main" val="1960794192"/>
+                  </a:ext>
+                </a:extLst>
+              </a:tr>
+            </a:tbl>
+          </a:graphicData>
+        </a:graphic>
+      </p:graphicFrame>
     </p:spTree>
     <p:extLst>
       <p:ext uri="{BB962C8B-B14F-4D97-AF65-F5344CB8AC3E}">
